--- a/Jour2/08 Promesses/08_Promesses.pptx
+++ b/Jour2/08 Promesses/08_Promesses.pptx
@@ -5,20 +5,21 @@
     <p:sldMasterId id="2147483648" r:id="rId1"/>
   </p:sldMasterIdLst>
   <p:notesMasterIdLst>
-    <p:notesMasterId r:id="rId10"/>
+    <p:notesMasterId r:id="rId11"/>
   </p:notesMasterIdLst>
   <p:handoutMasterIdLst>
-    <p:handoutMasterId r:id="rId11"/>
+    <p:handoutMasterId r:id="rId12"/>
   </p:handoutMasterIdLst>
   <p:sldIdLst>
     <p:sldId id="339" r:id="rId2"/>
     <p:sldId id="465" r:id="rId3"/>
-    <p:sldId id="471" r:id="rId4"/>
-    <p:sldId id="472" r:id="rId5"/>
-    <p:sldId id="470" r:id="rId6"/>
-    <p:sldId id="466" r:id="rId7"/>
-    <p:sldId id="468" r:id="rId8"/>
-    <p:sldId id="469" r:id="rId9"/>
+    <p:sldId id="473" r:id="rId4"/>
+    <p:sldId id="471" r:id="rId5"/>
+    <p:sldId id="474" r:id="rId6"/>
+    <p:sldId id="472" r:id="rId7"/>
+    <p:sldId id="470" r:id="rId8"/>
+    <p:sldId id="466" r:id="rId9"/>
+    <p:sldId id="468" r:id="rId10"/>
   </p:sldIdLst>
   <p:sldSz cx="9144000" cy="6858000" type="screen4x3"/>
   <p:notesSz cx="7104063" cy="10234613"/>
@@ -289,7 +290,7 @@
             <a:fld id="{87731427-D242-475D-9180-8940013A50B8}" type="datetimeFigureOut">
               <a:rPr lang="en-GB" smtClean="0"/>
               <a:pPr algn="l"/>
-              <a:t>15/11/2016</a:t>
+              <a:t>18/11/2016</a:t>
             </a:fld>
             <a:endParaRPr lang="en-GB" dirty="0"/>
           </a:p>
@@ -494,7 +495,7 @@
             <a:fld id="{BA521D56-F1F4-41A0-82EB-989F4F6F400D}" type="datetimeFigureOut">
               <a:rPr lang="fr-FR" smtClean="0"/>
               <a:pPr/>
-              <a:t>15/11/2016</a:t>
+              <a:t>18/11/2016</a:t>
             </a:fld>
             <a:endParaRPr lang="fr-FR"/>
           </a:p>
@@ -8841,7 +8842,7 @@
           <a:p>
             <a:pPr lvl="1"/>
             <a:r>
-              <a:rPr lang="en-US" dirty="0" smtClean="0"/>
+              <a:rPr lang="en-US" b="1" dirty="0" smtClean="0"/>
               <a:t>pending</a:t>
             </a:r>
             <a:r>
@@ -8852,15 +8853,23 @@
           <a:p>
             <a:pPr lvl="1"/>
             <a:r>
+              <a:rPr lang="en-US" b="1" dirty="0"/>
+              <a:t>fulfilled</a:t>
+            </a:r>
+            <a:r>
               <a:rPr lang="en-US" dirty="0"/>
-              <a:t>fulfilled: meaning that the operation completed successfully.</a:t>
+              <a:t>: meaning that the operation completed successfully.</a:t>
             </a:r>
           </a:p>
           <a:p>
             <a:pPr lvl="1"/>
             <a:r>
+              <a:rPr lang="en-US" b="1" dirty="0"/>
+              <a:t>rejected</a:t>
+            </a:r>
+            <a:r>
               <a:rPr lang="en-US" dirty="0"/>
-              <a:t>rejected: meaning that the operation failed</a:t>
+              <a:t>: meaning that the operation failed</a:t>
             </a:r>
             <a:r>
               <a:rPr lang="en-US" dirty="0" smtClean="0"/>
@@ -9054,97 +9063,150 @@
           <a:p>
             <a:r>
               <a:rPr lang="en-US" dirty="0" smtClean="0"/>
-              <a:t>Deferred :</a:t>
-            </a:r>
+              <a:t>A </a:t>
+            </a:r>
+            <a:r>
+              <a:rPr lang="en-US" dirty="0"/>
+              <a:t>new instance of deferred is constructed by calling </a:t>
+            </a:r>
+            <a:r>
+              <a:rPr lang="en-US" sz="1800" b="1" dirty="0">
+                <a:latin typeface="Courier New" panose="02070309020205020404" pitchFamily="49" charset="0"/>
+                <a:cs typeface="Courier New" panose="02070309020205020404" pitchFamily="49" charset="0"/>
+              </a:rPr>
+              <a:t>$</a:t>
+            </a:r>
+            <a:r>
+              <a:rPr lang="en-US" sz="1800" b="1" dirty="0" err="1">
+                <a:latin typeface="Courier New" panose="02070309020205020404" pitchFamily="49" charset="0"/>
+                <a:cs typeface="Courier New" panose="02070309020205020404" pitchFamily="49" charset="0"/>
+              </a:rPr>
+              <a:t>q.defer</a:t>
+            </a:r>
+            <a:r>
+              <a:rPr lang="en-US" sz="1800" b="1" dirty="0">
+                <a:latin typeface="Courier New" panose="02070309020205020404" pitchFamily="49" charset="0"/>
+                <a:cs typeface="Courier New" panose="02070309020205020404" pitchFamily="49" charset="0"/>
+              </a:rPr>
+              <a:t>().</a:t>
+            </a:r>
+          </a:p>
+          <a:p>
+            <a:r>
+              <a:rPr lang="en-US" dirty="0"/>
+              <a:t>The purpose of the deferred object is to expose the associated Promise instance as well as APIs that can be used for signaling the successful or unsuccessful completion, as well as the status of the task</a:t>
+            </a:r>
+            <a:r>
+              <a:rPr lang="en-US" dirty="0" smtClean="0"/>
+              <a:t>.</a:t>
+            </a:r>
+            <a:endParaRPr lang="en-US" dirty="0"/>
+          </a:p>
+          <a:p>
+            <a:r>
+              <a:rPr lang="en-US" dirty="0" smtClean="0"/>
+              <a:t>Methods</a:t>
+            </a:r>
+            <a:endParaRPr lang="en-US" dirty="0"/>
           </a:p>
           <a:p>
             <a:pPr lvl="1"/>
             <a:r>
+              <a:rPr lang="en-US" b="1" dirty="0">
+                <a:latin typeface="Courier New" panose="02070309020205020404" pitchFamily="49" charset="0"/>
+                <a:cs typeface="Courier New" panose="02070309020205020404" pitchFamily="49" charset="0"/>
+              </a:rPr>
+              <a:t>resolve(value) </a:t>
+            </a:r>
+            <a:r>
+              <a:rPr lang="en-US" dirty="0"/>
+              <a:t>– resolves the derived promise with the value. If the value is a rejection constructed via </a:t>
+            </a:r>
+            <a:r>
+              <a:rPr lang="en-US" b="1" dirty="0">
+                <a:latin typeface="Courier New" panose="02070309020205020404" pitchFamily="49" charset="0"/>
+                <a:cs typeface="Courier New" panose="02070309020205020404" pitchFamily="49" charset="0"/>
+              </a:rPr>
+              <a:t>$</a:t>
+            </a:r>
+            <a:r>
+              <a:rPr lang="en-US" b="1" dirty="0" err="1">
+                <a:latin typeface="Courier New" panose="02070309020205020404" pitchFamily="49" charset="0"/>
+                <a:cs typeface="Courier New" panose="02070309020205020404" pitchFamily="49" charset="0"/>
+              </a:rPr>
+              <a:t>q.reject</a:t>
+            </a:r>
+            <a:r>
+              <a:rPr lang="en-US" dirty="0"/>
+              <a:t>, the promise will be rejected instead.</a:t>
+            </a:r>
+          </a:p>
+          <a:p>
+            <a:pPr lvl="1"/>
+            <a:r>
+              <a:rPr lang="en-US" b="1" dirty="0">
+                <a:latin typeface="Courier New" panose="02070309020205020404" pitchFamily="49" charset="0"/>
+                <a:cs typeface="Courier New" panose="02070309020205020404" pitchFamily="49" charset="0"/>
+              </a:rPr>
+              <a:t>reject(reason)</a:t>
+            </a:r>
+            <a:r>
+              <a:rPr lang="en-US" dirty="0"/>
+              <a:t> – rejects the derived promise with the reason. This is equivalent to resolving it with a rejection constructed via </a:t>
+            </a:r>
+            <a:r>
+              <a:rPr lang="en-US" b="1" dirty="0">
+                <a:latin typeface="Courier New" panose="02070309020205020404" pitchFamily="49" charset="0"/>
+                <a:cs typeface="Courier New" panose="02070309020205020404" pitchFamily="49" charset="0"/>
+              </a:rPr>
+              <a:t>$</a:t>
+            </a:r>
+            <a:r>
+              <a:rPr lang="en-US" b="1" dirty="0" err="1">
+                <a:latin typeface="Courier New" panose="02070309020205020404" pitchFamily="49" charset="0"/>
+                <a:cs typeface="Courier New" panose="02070309020205020404" pitchFamily="49" charset="0"/>
+              </a:rPr>
+              <a:t>q.reject</a:t>
+            </a:r>
+            <a:r>
+              <a:rPr lang="en-US" dirty="0"/>
+              <a:t>.</a:t>
+            </a:r>
+          </a:p>
+          <a:p>
+            <a:pPr lvl="1"/>
+            <a:r>
+              <a:rPr lang="en-US" b="1" dirty="0">
+                <a:latin typeface="Courier New" panose="02070309020205020404" pitchFamily="49" charset="0"/>
+                <a:cs typeface="Courier New" panose="02070309020205020404" pitchFamily="49" charset="0"/>
+              </a:rPr>
+              <a:t>notify(value)</a:t>
+            </a:r>
+            <a:r>
+              <a:rPr lang="en-US" dirty="0"/>
+              <a:t> - provides updates on the status of the promise's execution. This may be called multiple times before the promise is either resolved or rejected.</a:t>
+            </a:r>
+          </a:p>
+          <a:p>
+            <a:r>
               <a:rPr lang="en-US" dirty="0" smtClean="0"/>
-              <a:t>Must be kept private</a:t>
-            </a:r>
+              <a:t>Properties</a:t>
+            </a:r>
+            <a:endParaRPr lang="en-US" dirty="0"/>
           </a:p>
           <a:p>
             <a:pPr lvl="1"/>
             <a:r>
-              <a:rPr lang="en-US" dirty="0" smtClean="0"/>
-              <a:t>Implement resolve(), reject() &amp; notify()</a:t>
-            </a:r>
-          </a:p>
-          <a:p>
-            <a:pPr lvl="1"/>
-            <a:r>
-              <a:rPr lang="en-US" dirty="0" smtClean="0"/>
-              <a:t>Expose the Promise</a:t>
-            </a:r>
-          </a:p>
-          <a:p>
-            <a:pPr lvl="1"/>
-            <a:endParaRPr lang="en-US" dirty="0" smtClean="0"/>
-          </a:p>
-          <a:p>
-            <a:r>
-              <a:rPr lang="en-US" dirty="0" smtClean="0"/>
-              <a:t>Promise : </a:t>
-            </a:r>
-          </a:p>
-          <a:p>
-            <a:pPr lvl="1"/>
-            <a:r>
-              <a:rPr lang="en-US" dirty="0" smtClean="0"/>
-              <a:t>Can be shared to allow access to result</a:t>
-            </a:r>
-          </a:p>
-          <a:p>
-            <a:pPr lvl="1"/>
-            <a:r>
-              <a:rPr lang="en-US" dirty="0" smtClean="0"/>
-              <a:t>Implement then(), catch(), finally()</a:t>
-            </a:r>
-          </a:p>
-          <a:p>
-            <a:pPr lvl="1"/>
-            <a:r>
-              <a:rPr lang="en-US" dirty="0" smtClean="0"/>
-              <a:t>“Read only version” of a Deferred</a:t>
-            </a:r>
-          </a:p>
-          <a:p>
-            <a:pPr lvl="1"/>
-            <a:endParaRPr lang="en-US" dirty="0"/>
-          </a:p>
-          <a:p>
-            <a:pPr lvl="1"/>
-            <a:endParaRPr lang="en-US" dirty="0" smtClean="0"/>
-          </a:p>
-          <a:p>
-            <a:r>
-              <a:rPr lang="en-US" dirty="0" smtClean="0"/>
-              <a:t>Naming and functionalities </a:t>
-            </a:r>
-            <a:r>
-              <a:rPr lang="en-US" dirty="0" smtClean="0"/>
-              <a:t>may </a:t>
-            </a:r>
-            <a:r>
-              <a:rPr lang="en-US" smtClean="0"/>
-              <a:t>vary depending of implementations </a:t>
-            </a:r>
-            <a:r>
-              <a:rPr lang="en-US" dirty="0" smtClean="0"/>
-              <a:t>(Native JS, </a:t>
-            </a:r>
-            <a:r>
-              <a:rPr lang="en-US" dirty="0" err="1" smtClean="0"/>
-              <a:t>jQuery</a:t>
-            </a:r>
-            <a:r>
-              <a:rPr lang="en-US" dirty="0" smtClean="0"/>
-              <a:t>, Q, $q)</a:t>
-            </a:r>
-          </a:p>
-          <a:p>
-            <a:pPr lvl="1"/>
+              <a:rPr lang="en-US" b="1" dirty="0">
+                <a:latin typeface="Courier New" panose="02070309020205020404" pitchFamily="49" charset="0"/>
+                <a:cs typeface="Courier New" panose="02070309020205020404" pitchFamily="49" charset="0"/>
+              </a:rPr>
+              <a:t>promise</a:t>
+            </a:r>
+            <a:r>
+              <a:rPr lang="en-US" dirty="0"/>
+              <a:t> – {Promise} – promise object associated with this deferred.</a:t>
+            </a:r>
             <a:endParaRPr lang="en-US" dirty="0" smtClean="0"/>
           </a:p>
           <a:p>
@@ -9238,25 +9300,16 @@
           <a:lstStyle/>
           <a:p>
             <a:r>
-              <a:rPr lang="en-US" cap="none" dirty="0" smtClean="0"/>
-              <a:t>Deferred </a:t>
-            </a:r>
-            <a:r>
-              <a:rPr lang="en-US" cap="none" dirty="0" err="1" smtClean="0"/>
-              <a:t>vs</a:t>
-            </a:r>
-            <a:r>
-              <a:rPr lang="en-US" cap="none" dirty="0" smtClean="0"/>
-              <a:t> promise</a:t>
-            </a:r>
-            <a:endParaRPr lang="en-US" cap="none" dirty="0"/>
+              <a:rPr lang="en-US" dirty="0"/>
+              <a:t>The Deferred API</a:t>
+            </a:r>
           </a:p>
         </p:txBody>
       </p:sp>
     </p:spTree>
     <p:extLst>
       <p:ext uri="{BB962C8B-B14F-4D97-AF65-F5344CB8AC3E}">
-        <p14:creationId xmlns:p14="http://schemas.microsoft.com/office/powerpoint/2010/main" val="232462313"/>
+        <p14:creationId xmlns:p14="http://schemas.microsoft.com/office/powerpoint/2010/main" val="3611186942"/>
       </p:ext>
     </p:extLst>
   </p:cSld>
@@ -9305,91 +9358,154 @@
           <a:p>
             <a:r>
               <a:rPr lang="en-US" dirty="0"/>
-              <a:t>A service that helps you run functions </a:t>
+              <a:t>A new promise instance is created when a deferred instance is created and can be retrieved by calling </a:t>
+            </a:r>
+            <a:r>
+              <a:rPr lang="en-US" sz="1800" b="1" dirty="0" err="1">
+                <a:latin typeface="Courier New" panose="02070309020205020404" pitchFamily="49" charset="0"/>
+                <a:cs typeface="Courier New" panose="02070309020205020404" pitchFamily="49" charset="0"/>
+              </a:rPr>
+              <a:t>deferred.promise</a:t>
             </a:r>
             <a:r>
               <a:rPr lang="en-US" dirty="0" smtClean="0"/>
-              <a:t>asynchronously</a:t>
-            </a:r>
+              <a:t>.</a:t>
+            </a:r>
+            <a:endParaRPr lang="en-US" dirty="0"/>
           </a:p>
           <a:p>
             <a:r>
               <a:rPr lang="en-US" dirty="0"/>
-              <a:t>defer</a:t>
+              <a:t>The purpose of the promise object is to allow for interested parties to get access to the result of the deferred task when it completes</a:t>
             </a:r>
             <a:r>
               <a:rPr lang="en-US" dirty="0" smtClean="0"/>
-              <a:t>();</a:t>
+              <a:t>.</a:t>
+            </a:r>
+            <a:endParaRPr lang="en-US" dirty="0"/>
+          </a:p>
+          <a:p>
+            <a:r>
+              <a:rPr lang="en-US" dirty="0"/>
+              <a:t>Methods</a:t>
             </a:r>
           </a:p>
           <a:p>
             <a:pPr lvl="1"/>
             <a:r>
+              <a:rPr lang="en-US" b="1" dirty="0">
+                <a:latin typeface="Courier New" panose="02070309020205020404" pitchFamily="49" charset="0"/>
+                <a:cs typeface="Courier New" panose="02070309020205020404" pitchFamily="49" charset="0"/>
+              </a:rPr>
+              <a:t>then(</a:t>
+            </a:r>
+            <a:r>
+              <a:rPr lang="en-US" b="1" dirty="0" err="1">
+                <a:latin typeface="Courier New" panose="02070309020205020404" pitchFamily="49" charset="0"/>
+                <a:cs typeface="Courier New" panose="02070309020205020404" pitchFamily="49" charset="0"/>
+              </a:rPr>
+              <a:t>successCallback</a:t>
+            </a:r>
+            <a:r>
+              <a:rPr lang="en-US" b="1" dirty="0">
+                <a:latin typeface="Courier New" panose="02070309020205020404" pitchFamily="49" charset="0"/>
+                <a:cs typeface="Courier New" panose="02070309020205020404" pitchFamily="49" charset="0"/>
+              </a:rPr>
+              <a:t>, [</a:t>
+            </a:r>
+            <a:r>
+              <a:rPr lang="en-US" b="1" dirty="0" err="1">
+                <a:latin typeface="Courier New" panose="02070309020205020404" pitchFamily="49" charset="0"/>
+                <a:cs typeface="Courier New" panose="02070309020205020404" pitchFamily="49" charset="0"/>
+              </a:rPr>
+              <a:t>errorCallback</a:t>
+            </a:r>
+            <a:r>
+              <a:rPr lang="en-US" b="1" dirty="0">
+                <a:latin typeface="Courier New" panose="02070309020205020404" pitchFamily="49" charset="0"/>
+                <a:cs typeface="Courier New" panose="02070309020205020404" pitchFamily="49" charset="0"/>
+              </a:rPr>
+              <a:t>], [</a:t>
+            </a:r>
+            <a:r>
+              <a:rPr lang="en-US" b="1" dirty="0" err="1">
+                <a:latin typeface="Courier New" panose="02070309020205020404" pitchFamily="49" charset="0"/>
+                <a:cs typeface="Courier New" panose="02070309020205020404" pitchFamily="49" charset="0"/>
+              </a:rPr>
+              <a:t>notifyCallback</a:t>
+            </a:r>
+            <a:r>
+              <a:rPr lang="en-US" b="1" dirty="0">
+                <a:latin typeface="Courier New" panose="02070309020205020404" pitchFamily="49" charset="0"/>
+                <a:cs typeface="Courier New" panose="02070309020205020404" pitchFamily="49" charset="0"/>
+              </a:rPr>
+              <a:t>]) </a:t>
+            </a:r>
+            <a:r>
+              <a:rPr lang="en-US" dirty="0"/>
+              <a:t>– regardless of when the promise was or will be resolved or rejected, then calls one of the success or error callbacks asynchronously as soon as the result is </a:t>
+            </a:r>
+            <a:r>
               <a:rPr lang="en-US" dirty="0" smtClean="0"/>
-              <a:t>Creates </a:t>
+              <a:t>available</a:t>
+            </a:r>
+          </a:p>
+          <a:p>
+            <a:pPr lvl="1"/>
+            <a:r>
+              <a:rPr lang="en-US" b="1" dirty="0">
+                <a:latin typeface="Courier New" panose="02070309020205020404" pitchFamily="49" charset="0"/>
+                <a:cs typeface="Courier New" panose="02070309020205020404" pitchFamily="49" charset="0"/>
+              </a:rPr>
+              <a:t>catch(</a:t>
+            </a:r>
+            <a:r>
+              <a:rPr lang="en-US" b="1" dirty="0" err="1">
+                <a:latin typeface="Courier New" panose="02070309020205020404" pitchFamily="49" charset="0"/>
+                <a:cs typeface="Courier New" panose="02070309020205020404" pitchFamily="49" charset="0"/>
+              </a:rPr>
+              <a:t>errorCallback</a:t>
+            </a:r>
+            <a:r>
+              <a:rPr lang="en-US" b="1" dirty="0" smtClean="0">
+                <a:latin typeface="Courier New" panose="02070309020205020404" pitchFamily="49" charset="0"/>
+                <a:cs typeface="Courier New" panose="02070309020205020404" pitchFamily="49" charset="0"/>
+              </a:rPr>
+              <a:t>)</a:t>
+            </a:r>
+            <a:r>
+              <a:rPr lang="en-US" dirty="0" smtClean="0"/>
+              <a:t> </a:t>
+            </a:r>
+            <a:endParaRPr lang="en-US" dirty="0"/>
+          </a:p>
+          <a:p>
+            <a:pPr lvl="1"/>
+            <a:r>
+              <a:rPr lang="en-US" b="1" dirty="0">
+                <a:latin typeface="Courier New" panose="02070309020205020404" pitchFamily="49" charset="0"/>
+                <a:cs typeface="Courier New" panose="02070309020205020404" pitchFamily="49" charset="0"/>
+              </a:rPr>
+              <a:t>finally(callback, </a:t>
+            </a:r>
+            <a:r>
+              <a:rPr lang="en-US" b="1" dirty="0" err="1">
+                <a:latin typeface="Courier New" panose="02070309020205020404" pitchFamily="49" charset="0"/>
+                <a:cs typeface="Courier New" panose="02070309020205020404" pitchFamily="49" charset="0"/>
+              </a:rPr>
+              <a:t>notifyCallback</a:t>
+            </a:r>
+            <a:r>
+              <a:rPr lang="en-US" b="1" dirty="0">
+                <a:latin typeface="Courier New" panose="02070309020205020404" pitchFamily="49" charset="0"/>
+                <a:cs typeface="Courier New" panose="02070309020205020404" pitchFamily="49" charset="0"/>
+              </a:rPr>
+              <a:t>)</a:t>
             </a:r>
             <a:r>
               <a:rPr lang="en-US" dirty="0"/>
-              <a:t>a Deferred object which represents a task which will finish in the </a:t>
-            </a:r>
-            <a:r>
-              <a:rPr lang="en-US" dirty="0" smtClean="0"/>
-              <a:t>future</a:t>
-            </a:r>
-          </a:p>
-          <a:p>
-            <a:r>
-              <a:rPr lang="en-US" dirty="0"/>
-              <a:t>all(promises</a:t>
-            </a:r>
-            <a:r>
-              <a:rPr lang="en-US" dirty="0" smtClean="0"/>
-              <a:t>);</a:t>
-            </a:r>
-          </a:p>
-          <a:p>
-            <a:pPr lvl="1"/>
-            <a:r>
-              <a:rPr lang="en-US" dirty="0" smtClean="0"/>
-              <a:t>Combines </a:t>
-            </a:r>
-            <a:r>
-              <a:rPr lang="en-US" dirty="0"/>
-              <a:t>multiple promises into a single promise that is resolved when all of the input promises are </a:t>
-            </a:r>
-            <a:r>
-              <a:rPr lang="en-US" dirty="0" smtClean="0"/>
-              <a:t>resolved.</a:t>
-            </a:r>
-          </a:p>
-          <a:p>
-            <a:r>
-              <a:rPr lang="en-US" dirty="0" smtClean="0"/>
-              <a:t>race(promises);</a:t>
-            </a:r>
-            <a:endParaRPr lang="en-US" dirty="0"/>
-          </a:p>
-          <a:p>
-            <a:pPr lvl="1"/>
-            <a:r>
-              <a:rPr lang="en-US" dirty="0"/>
-              <a:t>Returns a promise that resolves or rejects as soon as one of those promises resolves or rejects, with the value or reason from that promise.</a:t>
-            </a:r>
-          </a:p>
-          <a:p>
-            <a:pPr lvl="1"/>
-            <a:endParaRPr lang="en-US" dirty="0" smtClean="0"/>
-          </a:p>
-          <a:p>
-            <a:pPr lvl="1"/>
-            <a:endParaRPr lang="en-US" dirty="0" smtClean="0"/>
-          </a:p>
-          <a:p>
-            <a:pPr lvl="1"/>
-            <a:endParaRPr lang="en-US" dirty="0" smtClean="0"/>
-          </a:p>
-          <a:p>
-            <a:pPr lvl="1"/>
+              <a:t> – allows you to observe either the fulfillment or rejection of a promise, but to do so without modifying the final value. </a:t>
+            </a:r>
             <a:endParaRPr lang="en-US" dirty="0" smtClean="0"/>
           </a:p>
         </p:txBody>
@@ -9475,17 +9591,16 @@
           <a:lstStyle/>
           <a:p>
             <a:r>
-              <a:rPr lang="en-US" cap="none" dirty="0" smtClean="0"/>
-              <a:t>Angular $q</a:t>
-            </a:r>
-            <a:endParaRPr lang="en-US" cap="none" dirty="0"/>
+              <a:rPr lang="fr-FR" dirty="0"/>
+              <a:t>The Promise API</a:t>
+            </a:r>
           </a:p>
         </p:txBody>
       </p:sp>
     </p:spTree>
     <p:extLst>
       <p:ext uri="{BB962C8B-B14F-4D97-AF65-F5344CB8AC3E}">
-        <p14:creationId xmlns:p14="http://schemas.microsoft.com/office/powerpoint/2010/main" val="1338369700"/>
+        <p14:creationId xmlns:p14="http://schemas.microsoft.com/office/powerpoint/2010/main" val="232462313"/>
       </p:ext>
     </p:extLst>
   </p:cSld>
@@ -9534,8 +9649,24 @@
           <a:p>
             <a:r>
               <a:rPr lang="en-US" dirty="0"/>
-              <a:t>creating a promise</a:t>
-            </a:r>
+              <a:t>Because calling the then method of a promise returns a new derived promise, it is easily possible to create a chain of promises</a:t>
+            </a:r>
+            <a:r>
+              <a:rPr lang="en-US" dirty="0" smtClean="0"/>
+              <a:t>:</a:t>
+            </a:r>
+          </a:p>
+          <a:p>
+            <a:pPr marL="0" indent="0">
+              <a:buNone/>
+            </a:pPr>
+            <a:endParaRPr lang="en-US" dirty="0"/>
+          </a:p>
+          <a:p>
+            <a:pPr marL="0" indent="0">
+              <a:buNone/>
+            </a:pPr>
+            <a:endParaRPr lang="en-US" dirty="0"/>
           </a:p>
         </p:txBody>
       </p:sp>
@@ -9599,6 +9730,437 @@
               <a:rPr lang="fr-FR" smtClean="0"/>
               <a:pPr/>
               <a:t>5</a:t>
+            </a:fld>
+            <a:endParaRPr lang="fr-FR" dirty="0"/>
+          </a:p>
+        </p:txBody>
+      </p:sp>
+      <p:sp>
+        <p:nvSpPr>
+          <p:cNvPr id="6" name="Espace réservé du texte 5"/>
+          <p:cNvSpPr>
+            <a:spLocks noGrp="1"/>
+          </p:cNvSpPr>
+          <p:nvPr>
+            <p:ph type="body" sz="quarter" idx="13"/>
+          </p:nvPr>
+        </p:nvSpPr>
+        <p:spPr/>
+        <p:txBody>
+          <a:bodyPr/>
+          <a:lstStyle/>
+          <a:p>
+            <a:r>
+              <a:rPr lang="fr-FR" dirty="0" err="1"/>
+              <a:t>Chaining</a:t>
+            </a:r>
+            <a:r>
+              <a:rPr lang="fr-FR" dirty="0"/>
+              <a:t> promises</a:t>
+            </a:r>
+          </a:p>
+        </p:txBody>
+      </p:sp>
+      <p:sp>
+        <p:nvSpPr>
+          <p:cNvPr id="9" name="ZoneTexte 8"/>
+          <p:cNvSpPr txBox="1"/>
+          <p:nvPr/>
+        </p:nvSpPr>
+        <p:spPr>
+          <a:xfrm>
+            <a:off x="923192" y="2813538"/>
+            <a:ext cx="3842331" cy="3402679"/>
+          </a:xfrm>
+          <a:prstGeom prst="rect">
+            <a:avLst/>
+          </a:prstGeom>
+        </p:spPr>
+        <p:txBody>
+          <a:bodyPr wrap="square" rtlCol="0">
+            <a:spAutoFit/>
+          </a:bodyPr>
+          <a:lstStyle/>
+          <a:p>
+            <a:endParaRPr lang="fr-FR" dirty="0"/>
+          </a:p>
+        </p:txBody>
+      </p:sp>
+      <p:pic>
+        <p:nvPicPr>
+          <p:cNvPr id="7" name="Image 6"/>
+          <p:cNvPicPr>
+            <a:picLocks noChangeAspect="1"/>
+          </p:cNvPicPr>
+          <p:nvPr/>
+        </p:nvPicPr>
+        <p:blipFill rotWithShape="1">
+          <a:blip r:embed="rId2">
+            <a:extLst>
+              <a:ext uri="{28A0092B-C50C-407E-A947-70E740481C1C}">
+                <a14:useLocalDpi xmlns:a14="http://schemas.microsoft.com/office/drawing/2010/main" val="0"/>
+              </a:ext>
+            </a:extLst>
+          </a:blip>
+          <a:srcRect r="19533"/>
+          <a:stretch/>
+        </p:blipFill>
+        <p:spPr>
+          <a:xfrm>
+            <a:off x="418356" y="2019065"/>
+            <a:ext cx="7828829" cy="1831965"/>
+          </a:xfrm>
+          <a:prstGeom prst="rect">
+            <a:avLst/>
+          </a:prstGeom>
+        </p:spPr>
+      </p:pic>
+    </p:spTree>
+    <p:extLst>
+      <p:ext uri="{BB962C8B-B14F-4D97-AF65-F5344CB8AC3E}">
+        <p14:creationId xmlns:p14="http://schemas.microsoft.com/office/powerpoint/2010/main" val="1788535956"/>
+      </p:ext>
+    </p:extLst>
+  </p:cSld>
+  <p:clrMapOvr>
+    <a:masterClrMapping/>
+  </p:clrMapOvr>
+</p:sld>
+</file>
+
+<file path=ppt/slides/slide6.xml><?xml version="1.0" encoding="utf-8"?>
+<p:sld xmlns:a="http://schemas.openxmlformats.org/drawingml/2006/main" xmlns:r="http://schemas.openxmlformats.org/officeDocument/2006/relationships" xmlns:p="http://schemas.openxmlformats.org/presentationml/2006/main">
+  <p:cSld>
+    <p:spTree>
+      <p:nvGrpSpPr>
+        <p:cNvPr id="1" name=""/>
+        <p:cNvGrpSpPr/>
+        <p:nvPr/>
+      </p:nvGrpSpPr>
+      <p:grpSpPr>
+        <a:xfrm>
+          <a:off x="0" y="0"/>
+          <a:ext cx="0" cy="0"/>
+          <a:chOff x="0" y="0"/>
+          <a:chExt cx="0" cy="0"/>
+        </a:xfrm>
+      </p:grpSpPr>
+      <p:sp>
+        <p:nvSpPr>
+          <p:cNvPr id="2" name="Espace réservé du contenu 1"/>
+          <p:cNvSpPr>
+            <a:spLocks noGrp="1"/>
+          </p:cNvSpPr>
+          <p:nvPr>
+            <p:ph idx="1"/>
+          </p:nvPr>
+        </p:nvSpPr>
+        <p:spPr>
+          <a:xfrm>
+            <a:off x="515938" y="1112837"/>
+            <a:ext cx="8088511" cy="4681537"/>
+          </a:xfrm>
+        </p:spPr>
+        <p:txBody>
+          <a:bodyPr/>
+          <a:lstStyle/>
+          <a:p>
+            <a:r>
+              <a:rPr lang="en-US" dirty="0"/>
+              <a:t>A service that helps you run functions </a:t>
+            </a:r>
+            <a:r>
+              <a:rPr lang="en-US" dirty="0" smtClean="0"/>
+              <a:t>asynchronously</a:t>
+            </a:r>
+          </a:p>
+          <a:p>
+            <a:r>
+              <a:rPr lang="en-US" sz="1800" b="1" dirty="0">
+                <a:latin typeface="Courier New" panose="02070309020205020404" pitchFamily="49" charset="0"/>
+                <a:cs typeface="Courier New" panose="02070309020205020404" pitchFamily="49" charset="0"/>
+              </a:rPr>
+              <a:t>defer();</a:t>
+            </a:r>
+          </a:p>
+          <a:p>
+            <a:pPr lvl="1"/>
+            <a:r>
+              <a:rPr lang="en-US" dirty="0" smtClean="0"/>
+              <a:t>Creates </a:t>
+            </a:r>
+            <a:r>
+              <a:rPr lang="en-US" dirty="0"/>
+              <a:t>a Deferred object which represents a task which will finish in the </a:t>
+            </a:r>
+            <a:r>
+              <a:rPr lang="en-US" dirty="0" smtClean="0"/>
+              <a:t>future</a:t>
+            </a:r>
+          </a:p>
+          <a:p>
+            <a:r>
+              <a:rPr lang="en-US" sz="1800" b="1" dirty="0">
+                <a:latin typeface="Courier New" panose="02070309020205020404" pitchFamily="49" charset="0"/>
+                <a:cs typeface="Courier New" panose="02070309020205020404" pitchFamily="49" charset="0"/>
+              </a:rPr>
+              <a:t>all(promises);</a:t>
+            </a:r>
+          </a:p>
+          <a:p>
+            <a:pPr lvl="1"/>
+            <a:r>
+              <a:rPr lang="en-US" dirty="0" smtClean="0"/>
+              <a:t>Combines </a:t>
+            </a:r>
+            <a:r>
+              <a:rPr lang="en-US" dirty="0"/>
+              <a:t>multiple promises into a single promise that is resolved when all of the input promises are </a:t>
+            </a:r>
+            <a:r>
+              <a:rPr lang="en-US" dirty="0" smtClean="0"/>
+              <a:t>resolved.</a:t>
+            </a:r>
+          </a:p>
+          <a:p>
+            <a:r>
+              <a:rPr lang="en-US" sz="1800" b="1" dirty="0">
+                <a:latin typeface="Courier New" panose="02070309020205020404" pitchFamily="49" charset="0"/>
+                <a:cs typeface="Courier New" panose="02070309020205020404" pitchFamily="49" charset="0"/>
+              </a:rPr>
+              <a:t>race(promises);</a:t>
+            </a:r>
+          </a:p>
+          <a:p>
+            <a:pPr lvl="1"/>
+            <a:r>
+              <a:rPr lang="en-US" dirty="0"/>
+              <a:t>Returns a promise that resolves or rejects as soon as one of those promises resolves or rejects, with the value or reason from that promise.</a:t>
+            </a:r>
+          </a:p>
+          <a:p>
+            <a:pPr lvl="1"/>
+            <a:endParaRPr lang="en-US" dirty="0" smtClean="0"/>
+          </a:p>
+          <a:p>
+            <a:pPr lvl="1"/>
+            <a:endParaRPr lang="en-US" dirty="0" smtClean="0"/>
+          </a:p>
+          <a:p>
+            <a:pPr lvl="1"/>
+            <a:endParaRPr lang="en-US" dirty="0" smtClean="0"/>
+          </a:p>
+          <a:p>
+            <a:pPr lvl="1"/>
+            <a:endParaRPr lang="en-US" dirty="0" smtClean="0"/>
+          </a:p>
+        </p:txBody>
+      </p:sp>
+      <p:sp>
+        <p:nvSpPr>
+          <p:cNvPr id="3" name="Titre 2"/>
+          <p:cNvSpPr>
+            <a:spLocks noGrp="1"/>
+          </p:cNvSpPr>
+          <p:nvPr>
+            <p:ph type="title"/>
+          </p:nvPr>
+        </p:nvSpPr>
+        <p:spPr/>
+        <p:txBody>
+          <a:bodyPr/>
+          <a:lstStyle/>
+          <a:p>
+            <a:r>
+              <a:rPr lang="en-US" dirty="0"/>
+              <a:t>Promises</a:t>
+            </a:r>
+          </a:p>
+        </p:txBody>
+      </p:sp>
+      <p:sp>
+        <p:nvSpPr>
+          <p:cNvPr id="4" name="Espace réservé du pied de page 3"/>
+          <p:cNvSpPr>
+            <a:spLocks noGrp="1"/>
+          </p:cNvSpPr>
+          <p:nvPr>
+            <p:ph type="ftr" sz="quarter" idx="11"/>
+          </p:nvPr>
+        </p:nvSpPr>
+        <p:spPr/>
+        <p:txBody>
+          <a:bodyPr/>
+          <a:lstStyle/>
+          <a:p>
+            <a:endParaRPr lang="fr-FR" dirty="0"/>
+          </a:p>
+        </p:txBody>
+      </p:sp>
+      <p:sp>
+        <p:nvSpPr>
+          <p:cNvPr id="5" name="Espace réservé du numéro de diapositive 4"/>
+          <p:cNvSpPr>
+            <a:spLocks noGrp="1"/>
+          </p:cNvSpPr>
+          <p:nvPr>
+            <p:ph type="sldNum" sz="quarter" idx="12"/>
+          </p:nvPr>
+        </p:nvSpPr>
+        <p:spPr/>
+        <p:txBody>
+          <a:bodyPr/>
+          <a:lstStyle/>
+          <a:p>
+            <a:fld id="{AF43E6FD-AB27-4108-A2FC-346BB5F75E3F}" type="slidenum">
+              <a:rPr lang="fr-FR" smtClean="0"/>
+              <a:pPr/>
+              <a:t>6</a:t>
+            </a:fld>
+            <a:endParaRPr lang="fr-FR" dirty="0"/>
+          </a:p>
+        </p:txBody>
+      </p:sp>
+      <p:sp>
+        <p:nvSpPr>
+          <p:cNvPr id="6" name="Espace réservé du texte 5"/>
+          <p:cNvSpPr>
+            <a:spLocks noGrp="1"/>
+          </p:cNvSpPr>
+          <p:nvPr>
+            <p:ph type="body" sz="quarter" idx="13"/>
+          </p:nvPr>
+        </p:nvSpPr>
+        <p:spPr/>
+        <p:txBody>
+          <a:bodyPr/>
+          <a:lstStyle/>
+          <a:p>
+            <a:r>
+              <a:rPr lang="en-US" cap="none" dirty="0" smtClean="0"/>
+              <a:t>Angular $q</a:t>
+            </a:r>
+            <a:endParaRPr lang="en-US" cap="none" dirty="0"/>
+          </a:p>
+        </p:txBody>
+      </p:sp>
+    </p:spTree>
+    <p:extLst>
+      <p:ext uri="{BB962C8B-B14F-4D97-AF65-F5344CB8AC3E}">
+        <p14:creationId xmlns:p14="http://schemas.microsoft.com/office/powerpoint/2010/main" val="1338369700"/>
+      </p:ext>
+    </p:extLst>
+  </p:cSld>
+  <p:clrMapOvr>
+    <a:masterClrMapping/>
+  </p:clrMapOvr>
+</p:sld>
+</file>
+
+<file path=ppt/slides/slide7.xml><?xml version="1.0" encoding="utf-8"?>
+<p:sld xmlns:a="http://schemas.openxmlformats.org/drawingml/2006/main" xmlns:r="http://schemas.openxmlformats.org/officeDocument/2006/relationships" xmlns:p="http://schemas.openxmlformats.org/presentationml/2006/main">
+  <p:cSld>
+    <p:spTree>
+      <p:nvGrpSpPr>
+        <p:cNvPr id="1" name=""/>
+        <p:cNvGrpSpPr/>
+        <p:nvPr/>
+      </p:nvGrpSpPr>
+      <p:grpSpPr>
+        <a:xfrm>
+          <a:off x="0" y="0"/>
+          <a:ext cx="0" cy="0"/>
+          <a:chOff x="0" y="0"/>
+          <a:chExt cx="0" cy="0"/>
+        </a:xfrm>
+      </p:grpSpPr>
+      <p:sp>
+        <p:nvSpPr>
+          <p:cNvPr id="2" name="Espace réservé du contenu 1"/>
+          <p:cNvSpPr>
+            <a:spLocks noGrp="1"/>
+          </p:cNvSpPr>
+          <p:nvPr>
+            <p:ph idx="1"/>
+          </p:nvPr>
+        </p:nvSpPr>
+        <p:spPr>
+          <a:xfrm>
+            <a:off x="515938" y="1112837"/>
+            <a:ext cx="8088511" cy="4681537"/>
+          </a:xfrm>
+        </p:spPr>
+        <p:txBody>
+          <a:bodyPr/>
+          <a:lstStyle/>
+          <a:p>
+            <a:r>
+              <a:rPr lang="en-US" dirty="0"/>
+              <a:t>creating a promise</a:t>
+            </a:r>
+          </a:p>
+        </p:txBody>
+      </p:sp>
+      <p:sp>
+        <p:nvSpPr>
+          <p:cNvPr id="3" name="Titre 2"/>
+          <p:cNvSpPr>
+            <a:spLocks noGrp="1"/>
+          </p:cNvSpPr>
+          <p:nvPr>
+            <p:ph type="title"/>
+          </p:nvPr>
+        </p:nvSpPr>
+        <p:spPr/>
+        <p:txBody>
+          <a:bodyPr/>
+          <a:lstStyle/>
+          <a:p>
+            <a:r>
+              <a:rPr lang="en-US" dirty="0"/>
+              <a:t>Promises</a:t>
+            </a:r>
+          </a:p>
+        </p:txBody>
+      </p:sp>
+      <p:sp>
+        <p:nvSpPr>
+          <p:cNvPr id="4" name="Espace réservé du pied de page 3"/>
+          <p:cNvSpPr>
+            <a:spLocks noGrp="1"/>
+          </p:cNvSpPr>
+          <p:nvPr>
+            <p:ph type="ftr" sz="quarter" idx="11"/>
+          </p:nvPr>
+        </p:nvSpPr>
+        <p:spPr/>
+        <p:txBody>
+          <a:bodyPr/>
+          <a:lstStyle/>
+          <a:p>
+            <a:endParaRPr lang="fr-FR" dirty="0"/>
+          </a:p>
+        </p:txBody>
+      </p:sp>
+      <p:sp>
+        <p:nvSpPr>
+          <p:cNvPr id="5" name="Espace réservé du numéro de diapositive 4"/>
+          <p:cNvSpPr>
+            <a:spLocks noGrp="1"/>
+          </p:cNvSpPr>
+          <p:nvPr>
+            <p:ph type="sldNum" sz="quarter" idx="12"/>
+          </p:nvPr>
+        </p:nvSpPr>
+        <p:spPr/>
+        <p:txBody>
+          <a:bodyPr/>
+          <a:lstStyle/>
+          <a:p>
+            <a:fld id="{AF43E6FD-AB27-4108-A2FC-346BB5F75E3F}" type="slidenum">
+              <a:rPr lang="fr-FR" smtClean="0"/>
+              <a:pPr/>
+              <a:t>7</a:t>
             </a:fld>
             <a:endParaRPr lang="fr-FR" dirty="0"/>
           </a:p>
@@ -9665,7 +10227,7 @@
 </p:sld>
 </file>
 
-<file path=ppt/slides/slide6.xml><?xml version="1.0" encoding="utf-8"?>
+<file path=ppt/slides/slide8.xml><?xml version="1.0" encoding="utf-8"?>
 <p:sld xmlns:a="http://schemas.openxmlformats.org/drawingml/2006/main" xmlns:r="http://schemas.openxmlformats.org/officeDocument/2006/relationships" xmlns:p="http://schemas.openxmlformats.org/presentationml/2006/main">
   <p:cSld>
     <p:spTree>
@@ -9780,7 +10342,7 @@
             <a:fld id="{AF43E6FD-AB27-4108-A2FC-346BB5F75E3F}" type="slidenum">
               <a:rPr lang="fr-FR" smtClean="0"/>
               <a:pPr/>
-              <a:t>6</a:t>
+              <a:t>8</a:t>
             </a:fld>
             <a:endParaRPr lang="fr-FR" dirty="0"/>
           </a:p>
@@ -10015,7 +10577,7 @@
 </p:sld>
 </file>
 
-<file path=ppt/slides/slide7.xml><?xml version="1.0" encoding="utf-8"?>
+<file path=ppt/slides/slide9.xml><?xml version="1.0" encoding="utf-8"?>
 <p:sld xmlns:a="http://schemas.openxmlformats.org/drawingml/2006/main" xmlns:r="http://schemas.openxmlformats.org/officeDocument/2006/relationships" xmlns:p="http://schemas.openxmlformats.org/presentationml/2006/main">
   <p:cSld>
     <p:spTree>
@@ -10118,7 +10680,7 @@
             <a:fld id="{AF43E6FD-AB27-4108-A2FC-346BB5F75E3F}" type="slidenum">
               <a:rPr lang="fr-FR" smtClean="0"/>
               <a:pPr/>
-              <a:t>7</a:t>
+              <a:t>9</a:t>
             </a:fld>
             <a:endParaRPr lang="fr-FR" dirty="0"/>
           </a:p>
@@ -10212,233 +10774,6 @@
     <p:extLst>
       <p:ext uri="{BB962C8B-B14F-4D97-AF65-F5344CB8AC3E}">
         <p14:creationId xmlns:p14="http://schemas.microsoft.com/office/powerpoint/2010/main" val="4008562415"/>
-      </p:ext>
-    </p:extLst>
-  </p:cSld>
-  <p:clrMapOvr>
-    <a:masterClrMapping/>
-  </p:clrMapOvr>
-</p:sld>
-</file>
-
-<file path=ppt/slides/slide8.xml><?xml version="1.0" encoding="utf-8"?>
-<p:sld xmlns:a="http://schemas.openxmlformats.org/drawingml/2006/main" xmlns:r="http://schemas.openxmlformats.org/officeDocument/2006/relationships" xmlns:p="http://schemas.openxmlformats.org/presentationml/2006/main">
-  <p:cSld>
-    <p:spTree>
-      <p:nvGrpSpPr>
-        <p:cNvPr id="1" name=""/>
-        <p:cNvGrpSpPr/>
-        <p:nvPr/>
-      </p:nvGrpSpPr>
-      <p:grpSpPr>
-        <a:xfrm>
-          <a:off x="0" y="0"/>
-          <a:ext cx="0" cy="0"/>
-          <a:chOff x="0" y="0"/>
-          <a:chExt cx="0" cy="0"/>
-        </a:xfrm>
-      </p:grpSpPr>
-      <p:sp>
-        <p:nvSpPr>
-          <p:cNvPr id="2" name="Espace réservé du contenu 1"/>
-          <p:cNvSpPr>
-            <a:spLocks noGrp="1"/>
-          </p:cNvSpPr>
-          <p:nvPr>
-            <p:ph idx="1"/>
-          </p:nvPr>
-        </p:nvSpPr>
-        <p:spPr>
-          <a:xfrm>
-            <a:off x="418356" y="1124712"/>
-            <a:ext cx="8088511" cy="4681537"/>
-          </a:xfrm>
-        </p:spPr>
-        <p:txBody>
-          <a:bodyPr/>
-          <a:lstStyle/>
-          <a:p>
-            <a:endParaRPr lang="en-US" dirty="0"/>
-          </a:p>
-          <a:p>
-            <a:endParaRPr lang="en-US" dirty="0"/>
-          </a:p>
-        </p:txBody>
-      </p:sp>
-      <p:sp>
-        <p:nvSpPr>
-          <p:cNvPr id="3" name="Titre 2"/>
-          <p:cNvSpPr>
-            <a:spLocks noGrp="1"/>
-          </p:cNvSpPr>
-          <p:nvPr>
-            <p:ph type="title"/>
-          </p:nvPr>
-        </p:nvSpPr>
-        <p:spPr/>
-        <p:txBody>
-          <a:bodyPr/>
-          <a:lstStyle/>
-          <a:p>
-            <a:r>
-              <a:rPr lang="fr-FR" dirty="0"/>
-              <a:t>Promises</a:t>
-            </a:r>
-          </a:p>
-        </p:txBody>
-      </p:sp>
-      <p:sp>
-        <p:nvSpPr>
-          <p:cNvPr id="4" name="Espace réservé du pied de page 3"/>
-          <p:cNvSpPr>
-            <a:spLocks noGrp="1"/>
-          </p:cNvSpPr>
-          <p:nvPr>
-            <p:ph type="ftr" sz="quarter" idx="11"/>
-          </p:nvPr>
-        </p:nvSpPr>
-        <p:spPr/>
-        <p:txBody>
-          <a:bodyPr/>
-          <a:lstStyle/>
-          <a:p>
-            <a:endParaRPr lang="fr-FR" dirty="0"/>
-          </a:p>
-        </p:txBody>
-      </p:sp>
-      <p:sp>
-        <p:nvSpPr>
-          <p:cNvPr id="5" name="Espace réservé du numéro de diapositive 4"/>
-          <p:cNvSpPr>
-            <a:spLocks noGrp="1"/>
-          </p:cNvSpPr>
-          <p:nvPr>
-            <p:ph type="sldNum" sz="quarter" idx="12"/>
-          </p:nvPr>
-        </p:nvSpPr>
-        <p:spPr/>
-        <p:txBody>
-          <a:bodyPr/>
-          <a:lstStyle/>
-          <a:p>
-            <a:fld id="{AF43E6FD-AB27-4108-A2FC-346BB5F75E3F}" type="slidenum">
-              <a:rPr lang="fr-FR" smtClean="0"/>
-              <a:pPr/>
-              <a:t>8</a:t>
-            </a:fld>
-            <a:endParaRPr lang="fr-FR" dirty="0"/>
-          </a:p>
-        </p:txBody>
-      </p:sp>
-      <p:sp>
-        <p:nvSpPr>
-          <p:cNvPr id="6" name="Espace réservé du texte 5"/>
-          <p:cNvSpPr>
-            <a:spLocks noGrp="1"/>
-          </p:cNvSpPr>
-          <p:nvPr>
-            <p:ph type="body" sz="quarter" idx="13"/>
-          </p:nvPr>
-        </p:nvSpPr>
-        <p:spPr>
-          <a:ln>
-            <a:solidFill>
-              <a:schemeClr val="tx2"/>
-            </a:solidFill>
-          </a:ln>
-        </p:spPr>
-        <p:txBody>
-          <a:bodyPr/>
-          <a:lstStyle/>
-          <a:p>
-            <a:r>
-              <a:rPr lang="en-US" cap="none" dirty="0"/>
-              <a:t>catching all error(s) even those happening inside the callbacks</a:t>
-            </a:r>
-          </a:p>
-        </p:txBody>
-      </p:sp>
-      <p:pic>
-        <p:nvPicPr>
-          <p:cNvPr id="9" name="Image 8"/>
-          <p:cNvPicPr>
-            <a:picLocks noChangeAspect="1"/>
-          </p:cNvPicPr>
-          <p:nvPr/>
-        </p:nvPicPr>
-        <p:blipFill>
-          <a:blip r:embed="rId2"/>
-          <a:stretch>
-            <a:fillRect/>
-          </a:stretch>
-        </p:blipFill>
-        <p:spPr>
-          <a:xfrm>
-            <a:off x="849563" y="1622458"/>
-            <a:ext cx="7007759" cy="1992933"/>
-          </a:xfrm>
-          <a:prstGeom prst="rect">
-            <a:avLst/>
-          </a:prstGeom>
-          <a:ln>
-            <a:solidFill>
-              <a:schemeClr val="tx2"/>
-            </a:solidFill>
-          </a:ln>
-        </p:spPr>
-      </p:pic>
-      <p:pic>
-        <p:nvPicPr>
-          <p:cNvPr id="7" name="Image 6"/>
-          <p:cNvPicPr>
-            <a:picLocks noChangeAspect="1"/>
-          </p:cNvPicPr>
-          <p:nvPr/>
-        </p:nvPicPr>
-        <p:blipFill>
-          <a:blip r:embed="rId3"/>
-          <a:stretch>
-            <a:fillRect/>
-          </a:stretch>
-        </p:blipFill>
-        <p:spPr>
-          <a:xfrm>
-            <a:off x="531466" y="3854150"/>
-            <a:ext cx="8010525" cy="914400"/>
-          </a:xfrm>
-          <a:prstGeom prst="rect">
-            <a:avLst/>
-          </a:prstGeom>
-        </p:spPr>
-      </p:pic>
-      <p:pic>
-        <p:nvPicPr>
-          <p:cNvPr id="8" name="Image 7"/>
-          <p:cNvPicPr>
-            <a:picLocks noChangeAspect="1"/>
-          </p:cNvPicPr>
-          <p:nvPr/>
-        </p:nvPicPr>
-        <p:blipFill>
-          <a:blip r:embed="rId4"/>
-          <a:stretch>
-            <a:fillRect/>
-          </a:stretch>
-        </p:blipFill>
-        <p:spPr>
-          <a:xfrm>
-            <a:off x="566886" y="4967062"/>
-            <a:ext cx="7791450" cy="1419225"/>
-          </a:xfrm>
-          <a:prstGeom prst="rect">
-            <a:avLst/>
-          </a:prstGeom>
-        </p:spPr>
-      </p:pic>
-    </p:spTree>
-    <p:extLst>
-      <p:ext uri="{BB962C8B-B14F-4D97-AF65-F5344CB8AC3E}">
-        <p14:creationId xmlns:p14="http://schemas.microsoft.com/office/powerpoint/2010/main" val="1788908981"/>
       </p:ext>
     </p:extLst>
   </p:cSld>

--- a/Jour2/08 Promesses/08_Promesses.pptx
+++ b/Jour2/08 Promesses/08_Promesses.pptx
@@ -5,10 +5,10 @@
     <p:sldMasterId id="2147483648" r:id="rId1"/>
   </p:sldMasterIdLst>
   <p:notesMasterIdLst>
-    <p:notesMasterId r:id="rId11"/>
+    <p:notesMasterId r:id="rId12"/>
   </p:notesMasterIdLst>
   <p:handoutMasterIdLst>
-    <p:handoutMasterId r:id="rId12"/>
+    <p:handoutMasterId r:id="rId13"/>
   </p:handoutMasterIdLst>
   <p:sldIdLst>
     <p:sldId id="339" r:id="rId2"/>
@@ -18,8 +18,9 @@
     <p:sldId id="474" r:id="rId6"/>
     <p:sldId id="472" r:id="rId7"/>
     <p:sldId id="470" r:id="rId8"/>
-    <p:sldId id="466" r:id="rId9"/>
-    <p:sldId id="468" r:id="rId10"/>
+    <p:sldId id="468" r:id="rId9"/>
+    <p:sldId id="475" r:id="rId10"/>
+    <p:sldId id="476" r:id="rId11"/>
   </p:sldIdLst>
   <p:sldSz cx="9144000" cy="6858000" type="screen4x3"/>
   <p:notesSz cx="7104063" cy="10234613"/>
@@ -290,7 +291,7 @@
             <a:fld id="{87731427-D242-475D-9180-8940013A50B8}" type="datetimeFigureOut">
               <a:rPr lang="en-GB" smtClean="0"/>
               <a:pPr algn="l"/>
-              <a:t>18/11/2016</a:t>
+              <a:t>21/11/2016</a:t>
             </a:fld>
             <a:endParaRPr lang="en-GB" dirty="0"/>
           </a:p>
@@ -495,7 +496,7 @@
             <a:fld id="{BA521D56-F1F4-41A0-82EB-989F4F6F400D}" type="datetimeFigureOut">
               <a:rPr lang="fr-FR" smtClean="0"/>
               <a:pPr/>
-              <a:t>18/11/2016</a:t>
+              <a:t>21/11/2016</a:t>
             </a:fld>
             <a:endParaRPr lang="fr-FR"/>
           </a:p>
@@ -8770,6 +8771,410 @@
 </p:sld>
 </file>
 
+<file path=ppt/slides/slide10.xml><?xml version="1.0" encoding="utf-8"?>
+<p:sld xmlns:a="http://schemas.openxmlformats.org/drawingml/2006/main" xmlns:r="http://schemas.openxmlformats.org/officeDocument/2006/relationships" xmlns:p="http://schemas.openxmlformats.org/presentationml/2006/main">
+  <p:cSld>
+    <p:spTree>
+      <p:nvGrpSpPr>
+        <p:cNvPr id="1" name=""/>
+        <p:cNvGrpSpPr/>
+        <p:nvPr/>
+      </p:nvGrpSpPr>
+      <p:grpSpPr>
+        <a:xfrm>
+          <a:off x="0" y="0"/>
+          <a:ext cx="0" cy="0"/>
+          <a:chOff x="0" y="0"/>
+          <a:chExt cx="0" cy="0"/>
+        </a:xfrm>
+      </p:grpSpPr>
+      <p:sp>
+        <p:nvSpPr>
+          <p:cNvPr id="2" name="Espace réservé du contenu 1"/>
+          <p:cNvSpPr>
+            <a:spLocks noGrp="1"/>
+          </p:cNvSpPr>
+          <p:nvPr>
+            <p:ph idx="1"/>
+          </p:nvPr>
+        </p:nvSpPr>
+        <p:spPr>
+          <a:xfrm>
+            <a:off x="418356" y="1124712"/>
+            <a:ext cx="8088511" cy="4681537"/>
+          </a:xfrm>
+        </p:spPr>
+        <p:txBody>
+          <a:bodyPr/>
+          <a:lstStyle/>
+          <a:p>
+            <a:pPr marL="0" indent="0">
+              <a:buNone/>
+            </a:pPr>
+            <a:r>
+              <a:rPr lang="fr-FR" dirty="0"/>
+              <a:t>Tip: pour obtenir un booléen aléatoire, appeler la fonction suivante:</a:t>
+            </a:r>
+            <a:endParaRPr lang="fr-FR" sz="1400" dirty="0"/>
+          </a:p>
+          <a:p>
+            <a:pPr marL="0" indent="0">
+              <a:spcBef>
+                <a:spcPts val="0"/>
+              </a:spcBef>
+              <a:buNone/>
+            </a:pPr>
+            <a:endParaRPr lang="fr-FR" sz="1400" dirty="0" smtClean="0">
+              <a:latin typeface="Courier New" panose="02070309020205020404" pitchFamily="49" charset="0"/>
+              <a:cs typeface="Courier New" panose="02070309020205020404" pitchFamily="49" charset="0"/>
+            </a:endParaRPr>
+          </a:p>
+          <a:p>
+            <a:pPr marL="0" indent="0">
+              <a:spcBef>
+                <a:spcPts val="0"/>
+              </a:spcBef>
+              <a:buNone/>
+            </a:pPr>
+            <a:endParaRPr lang="fr-FR" sz="1400" dirty="0">
+              <a:latin typeface="Courier New" panose="02070309020205020404" pitchFamily="49" charset="0"/>
+              <a:cs typeface="Courier New" panose="02070309020205020404" pitchFamily="49" charset="0"/>
+            </a:endParaRPr>
+          </a:p>
+          <a:p>
+            <a:pPr marL="0" indent="0">
+              <a:spcBef>
+                <a:spcPts val="0"/>
+              </a:spcBef>
+              <a:buNone/>
+            </a:pPr>
+            <a:r>
+              <a:rPr lang="fr-FR" sz="1400" dirty="0" smtClean="0">
+                <a:latin typeface="Courier New" panose="02070309020205020404" pitchFamily="49" charset="0"/>
+                <a:cs typeface="Courier New" panose="02070309020205020404" pitchFamily="49" charset="0"/>
+              </a:rPr>
+              <a:t>/**</a:t>
+            </a:r>
+            <a:endParaRPr lang="fr-FR" sz="1100" dirty="0">
+              <a:latin typeface="Courier New" panose="02070309020205020404" pitchFamily="49" charset="0"/>
+              <a:cs typeface="Courier New" panose="02070309020205020404" pitchFamily="49" charset="0"/>
+            </a:endParaRPr>
+          </a:p>
+          <a:p>
+            <a:pPr marL="0" indent="0">
+              <a:spcBef>
+                <a:spcPts val="0"/>
+              </a:spcBef>
+              <a:buNone/>
+            </a:pPr>
+            <a:r>
+              <a:rPr lang="fr-FR" sz="1400" dirty="0">
+                <a:latin typeface="Courier New" panose="02070309020205020404" pitchFamily="49" charset="0"/>
+                <a:cs typeface="Courier New" panose="02070309020205020404" pitchFamily="49" charset="0"/>
+              </a:rPr>
+              <a:t> * Retourne une </a:t>
+            </a:r>
+            <a:r>
+              <a:rPr lang="fr-FR" sz="1400" dirty="0" err="1">
+                <a:latin typeface="Courier New" panose="02070309020205020404" pitchFamily="49" charset="0"/>
+                <a:cs typeface="Courier New" panose="02070309020205020404" pitchFamily="49" charset="0"/>
+              </a:rPr>
+              <a:t>boolean</a:t>
+            </a:r>
+            <a:r>
+              <a:rPr lang="fr-FR" sz="1400" dirty="0">
+                <a:latin typeface="Courier New" panose="02070309020205020404" pitchFamily="49" charset="0"/>
+                <a:cs typeface="Courier New" panose="02070309020205020404" pitchFamily="49" charset="0"/>
+              </a:rPr>
+              <a:t> dont la valeur est déterminée aléatoirement</a:t>
+            </a:r>
+            <a:endParaRPr lang="fr-FR" sz="1100" dirty="0">
+              <a:latin typeface="Courier New" panose="02070309020205020404" pitchFamily="49" charset="0"/>
+              <a:cs typeface="Courier New" panose="02070309020205020404" pitchFamily="49" charset="0"/>
+            </a:endParaRPr>
+          </a:p>
+          <a:p>
+            <a:pPr marL="0" indent="0">
+              <a:spcBef>
+                <a:spcPts val="0"/>
+              </a:spcBef>
+              <a:buNone/>
+            </a:pPr>
+            <a:r>
+              <a:rPr lang="fr-FR" sz="1400" dirty="0">
+                <a:latin typeface="Courier New" panose="02070309020205020404" pitchFamily="49" charset="0"/>
+                <a:cs typeface="Courier New" panose="02070309020205020404" pitchFamily="49" charset="0"/>
+              </a:rPr>
+              <a:t> * return {</a:t>
+            </a:r>
+            <a:r>
+              <a:rPr lang="fr-FR" sz="1400" dirty="0" err="1">
+                <a:latin typeface="Courier New" panose="02070309020205020404" pitchFamily="49" charset="0"/>
+                <a:cs typeface="Courier New" panose="02070309020205020404" pitchFamily="49" charset="0"/>
+              </a:rPr>
+              <a:t>bool</a:t>
+            </a:r>
+            <a:r>
+              <a:rPr lang="fr-FR" sz="1400" dirty="0">
+                <a:latin typeface="Courier New" panose="02070309020205020404" pitchFamily="49" charset="0"/>
+                <a:cs typeface="Courier New" panose="02070309020205020404" pitchFamily="49" charset="0"/>
+              </a:rPr>
+              <a:t>} </a:t>
+            </a:r>
+            <a:r>
+              <a:rPr lang="fr-FR" sz="1400" dirty="0" err="1">
+                <a:latin typeface="Courier New" panose="02070309020205020404" pitchFamily="49" charset="0"/>
+                <a:cs typeface="Courier New" panose="02070309020205020404" pitchFamily="49" charset="0"/>
+              </a:rPr>
+              <a:t>boolean</a:t>
+            </a:r>
+            <a:r>
+              <a:rPr lang="fr-FR" sz="1400" dirty="0">
+                <a:latin typeface="Courier New" panose="02070309020205020404" pitchFamily="49" charset="0"/>
+                <a:cs typeface="Courier New" panose="02070309020205020404" pitchFamily="49" charset="0"/>
+              </a:rPr>
+              <a:t> de valeur aléatoire</a:t>
+            </a:r>
+            <a:endParaRPr lang="fr-FR" sz="1100" dirty="0">
+              <a:latin typeface="Courier New" panose="02070309020205020404" pitchFamily="49" charset="0"/>
+              <a:cs typeface="Courier New" panose="02070309020205020404" pitchFamily="49" charset="0"/>
+            </a:endParaRPr>
+          </a:p>
+          <a:p>
+            <a:pPr marL="0" indent="0">
+              <a:spcBef>
+                <a:spcPts val="0"/>
+              </a:spcBef>
+              <a:buNone/>
+            </a:pPr>
+            <a:r>
+              <a:rPr lang="fr-FR" sz="1400" dirty="0">
+                <a:latin typeface="Courier New" panose="02070309020205020404" pitchFamily="49" charset="0"/>
+                <a:cs typeface="Courier New" panose="02070309020205020404" pitchFamily="49" charset="0"/>
+              </a:rPr>
+              <a:t> </a:t>
+            </a:r>
+            <a:r>
+              <a:rPr lang="fr-FR" sz="1400" dirty="0" smtClean="0">
+                <a:latin typeface="Courier New" panose="02070309020205020404" pitchFamily="49" charset="0"/>
+                <a:cs typeface="Courier New" panose="02070309020205020404" pitchFamily="49" charset="0"/>
+              </a:rPr>
+              <a:t>*/</a:t>
+            </a:r>
+            <a:endParaRPr lang="fr-FR" sz="1100" dirty="0">
+              <a:latin typeface="Courier New" panose="02070309020205020404" pitchFamily="49" charset="0"/>
+              <a:cs typeface="Courier New" panose="02070309020205020404" pitchFamily="49" charset="0"/>
+            </a:endParaRPr>
+          </a:p>
+          <a:p>
+            <a:pPr marL="0" indent="0">
+              <a:spcBef>
+                <a:spcPts val="0"/>
+              </a:spcBef>
+              <a:buNone/>
+            </a:pPr>
+            <a:r>
+              <a:rPr lang="fr-FR" sz="1400" dirty="0" err="1">
+                <a:latin typeface="Courier New" panose="02070309020205020404" pitchFamily="49" charset="0"/>
+                <a:cs typeface="Courier New" panose="02070309020205020404" pitchFamily="49" charset="0"/>
+              </a:rPr>
+              <a:t>function</a:t>
+            </a:r>
+            <a:r>
+              <a:rPr lang="fr-FR" sz="1400" dirty="0">
+                <a:latin typeface="Courier New" panose="02070309020205020404" pitchFamily="49" charset="0"/>
+                <a:cs typeface="Courier New" panose="02070309020205020404" pitchFamily="49" charset="0"/>
+              </a:rPr>
+              <a:t> </a:t>
+            </a:r>
+            <a:r>
+              <a:rPr lang="fr-FR" sz="1400" dirty="0" err="1">
+                <a:latin typeface="Courier New" panose="02070309020205020404" pitchFamily="49" charset="0"/>
+                <a:cs typeface="Courier New" panose="02070309020205020404" pitchFamily="49" charset="0"/>
+              </a:rPr>
+              <a:t>randomBool</a:t>
+            </a:r>
+            <a:r>
+              <a:rPr lang="fr-FR" sz="1400" dirty="0">
+                <a:latin typeface="Courier New" panose="02070309020205020404" pitchFamily="49" charset="0"/>
+                <a:cs typeface="Courier New" panose="02070309020205020404" pitchFamily="49" charset="0"/>
+              </a:rPr>
+              <a:t>() {</a:t>
+            </a:r>
+            <a:endParaRPr lang="fr-FR" sz="1100" dirty="0">
+              <a:latin typeface="Courier New" panose="02070309020205020404" pitchFamily="49" charset="0"/>
+              <a:cs typeface="Courier New" panose="02070309020205020404" pitchFamily="49" charset="0"/>
+            </a:endParaRPr>
+          </a:p>
+          <a:p>
+            <a:pPr marL="0" indent="0">
+              <a:spcBef>
+                <a:spcPts val="0"/>
+              </a:spcBef>
+              <a:buNone/>
+            </a:pPr>
+            <a:r>
+              <a:rPr lang="fr-FR" sz="1400" dirty="0">
+                <a:latin typeface="Courier New" panose="02070309020205020404" pitchFamily="49" charset="0"/>
+                <a:cs typeface="Courier New" panose="02070309020205020404" pitchFamily="49" charset="0"/>
+              </a:rPr>
+              <a:t>	return !!(</a:t>
+            </a:r>
+            <a:r>
+              <a:rPr lang="fr-FR" sz="1400" dirty="0" err="1">
+                <a:latin typeface="Courier New" panose="02070309020205020404" pitchFamily="49" charset="0"/>
+                <a:cs typeface="Courier New" panose="02070309020205020404" pitchFamily="49" charset="0"/>
+              </a:rPr>
+              <a:t>Math.random</a:t>
+            </a:r>
+            <a:r>
+              <a:rPr lang="fr-FR" sz="1400" dirty="0">
+                <a:latin typeface="Courier New" panose="02070309020205020404" pitchFamily="49" charset="0"/>
+                <a:cs typeface="Courier New" panose="02070309020205020404" pitchFamily="49" charset="0"/>
+              </a:rPr>
+              <a:t>() &gt;= 0.5);</a:t>
+            </a:r>
+            <a:endParaRPr lang="fr-FR" sz="1100" dirty="0">
+              <a:latin typeface="Courier New" panose="02070309020205020404" pitchFamily="49" charset="0"/>
+              <a:cs typeface="Courier New" panose="02070309020205020404" pitchFamily="49" charset="0"/>
+            </a:endParaRPr>
+          </a:p>
+          <a:p>
+            <a:pPr marL="0" indent="0">
+              <a:spcBef>
+                <a:spcPts val="0"/>
+              </a:spcBef>
+              <a:buNone/>
+            </a:pPr>
+            <a:r>
+              <a:rPr lang="fr-FR" sz="1400" dirty="0">
+                <a:latin typeface="Courier New" panose="02070309020205020404" pitchFamily="49" charset="0"/>
+                <a:cs typeface="Courier New" panose="02070309020205020404" pitchFamily="49" charset="0"/>
+              </a:rPr>
+              <a:t>}</a:t>
+            </a:r>
+            <a:endParaRPr lang="fr-FR" sz="1100" dirty="0">
+              <a:latin typeface="Courier New" panose="02070309020205020404" pitchFamily="49" charset="0"/>
+              <a:cs typeface="Courier New" panose="02070309020205020404" pitchFamily="49" charset="0"/>
+            </a:endParaRPr>
+          </a:p>
+          <a:p>
+            <a:pPr marL="0" indent="0">
+              <a:buNone/>
+            </a:pPr>
+            <a:r>
+              <a:rPr lang="fr-FR" dirty="0"/>
+              <a:t> </a:t>
+            </a:r>
+            <a:endParaRPr lang="fr-FR" dirty="0"/>
+          </a:p>
+        </p:txBody>
+      </p:sp>
+      <p:sp>
+        <p:nvSpPr>
+          <p:cNvPr id="3" name="Titre 2"/>
+          <p:cNvSpPr>
+            <a:spLocks noGrp="1"/>
+          </p:cNvSpPr>
+          <p:nvPr>
+            <p:ph type="title"/>
+          </p:nvPr>
+        </p:nvSpPr>
+        <p:spPr/>
+        <p:txBody>
+          <a:bodyPr/>
+          <a:lstStyle/>
+          <a:p>
+            <a:r>
+              <a:rPr lang="fr-FR" dirty="0"/>
+              <a:t>Promises</a:t>
+            </a:r>
+          </a:p>
+        </p:txBody>
+      </p:sp>
+      <p:sp>
+        <p:nvSpPr>
+          <p:cNvPr id="4" name="Espace réservé du pied de page 3"/>
+          <p:cNvSpPr>
+            <a:spLocks noGrp="1"/>
+          </p:cNvSpPr>
+          <p:nvPr>
+            <p:ph type="ftr" sz="quarter" idx="11"/>
+          </p:nvPr>
+        </p:nvSpPr>
+        <p:spPr/>
+        <p:txBody>
+          <a:bodyPr/>
+          <a:lstStyle/>
+          <a:p>
+            <a:endParaRPr lang="fr-FR" dirty="0"/>
+          </a:p>
+        </p:txBody>
+      </p:sp>
+      <p:sp>
+        <p:nvSpPr>
+          <p:cNvPr id="5" name="Espace réservé du numéro de diapositive 4"/>
+          <p:cNvSpPr>
+            <a:spLocks noGrp="1"/>
+          </p:cNvSpPr>
+          <p:nvPr>
+            <p:ph type="sldNum" sz="quarter" idx="12"/>
+          </p:nvPr>
+        </p:nvSpPr>
+        <p:spPr/>
+        <p:txBody>
+          <a:bodyPr/>
+          <a:lstStyle/>
+          <a:p>
+            <a:fld id="{AF43E6FD-AB27-4108-A2FC-346BB5F75E3F}" type="slidenum">
+              <a:rPr lang="fr-FR" smtClean="0"/>
+              <a:pPr/>
+              <a:t>10</a:t>
+            </a:fld>
+            <a:endParaRPr lang="fr-FR" dirty="0"/>
+          </a:p>
+        </p:txBody>
+      </p:sp>
+      <p:sp>
+        <p:nvSpPr>
+          <p:cNvPr id="6" name="Espace réservé du texte 5"/>
+          <p:cNvSpPr>
+            <a:spLocks noGrp="1"/>
+          </p:cNvSpPr>
+          <p:nvPr>
+            <p:ph type="body" sz="quarter" idx="13"/>
+          </p:nvPr>
+        </p:nvSpPr>
+        <p:spPr>
+          <a:ln>
+            <a:noFill/>
+          </a:ln>
+        </p:spPr>
+        <p:txBody>
+          <a:bodyPr/>
+          <a:lstStyle/>
+          <a:p>
+            <a:r>
+              <a:rPr lang="en-US" cap="none" dirty="0" smtClean="0"/>
+              <a:t>TP (suite)</a:t>
+            </a:r>
+            <a:endParaRPr lang="en-US" cap="none" dirty="0"/>
+          </a:p>
+        </p:txBody>
+      </p:sp>
+    </p:spTree>
+    <p:extLst>
+      <p:ext uri="{BB962C8B-B14F-4D97-AF65-F5344CB8AC3E}">
+        <p14:creationId xmlns:p14="http://schemas.microsoft.com/office/powerpoint/2010/main" val="278244097"/>
+      </p:ext>
+    </p:extLst>
+  </p:cSld>
+  <p:clrMapOvr>
+    <a:masterClrMapping/>
+  </p:clrMapOvr>
+</p:sld>
+</file>
+
 <file path=ppt/slides/slide2.xml><?xml version="1.0" encoding="utf-8"?>
 <p:sld xmlns:a="http://schemas.openxmlformats.org/drawingml/2006/main" xmlns:r="http://schemas.openxmlformats.org/officeDocument/2006/relationships" xmlns:p="http://schemas.openxmlformats.org/presentationml/2006/main">
   <p:cSld>
@@ -9120,25 +9525,7 @@
             </a:r>
             <a:r>
               <a:rPr lang="en-US" dirty="0"/>
-              <a:t>– resolves the derived promise with the value. If the value is a rejection constructed via </a:t>
-            </a:r>
-            <a:r>
-              <a:rPr lang="en-US" b="1" dirty="0">
-                <a:latin typeface="Courier New" panose="02070309020205020404" pitchFamily="49" charset="0"/>
-                <a:cs typeface="Courier New" panose="02070309020205020404" pitchFamily="49" charset="0"/>
-              </a:rPr>
-              <a:t>$</a:t>
-            </a:r>
-            <a:r>
-              <a:rPr lang="en-US" b="1" dirty="0" err="1">
-                <a:latin typeface="Courier New" panose="02070309020205020404" pitchFamily="49" charset="0"/>
-                <a:cs typeface="Courier New" panose="02070309020205020404" pitchFamily="49" charset="0"/>
-              </a:rPr>
-              <a:t>q.reject</a:t>
-            </a:r>
-            <a:r>
-              <a:rPr lang="en-US" dirty="0"/>
-              <a:t>, the promise will be rejected instead.</a:t>
+              <a:t>– resolves the derived promise with the value. </a:t>
             </a:r>
           </a:p>
           <a:p>
@@ -9152,38 +9539,24 @@
             </a:r>
             <a:r>
               <a:rPr lang="en-US" dirty="0"/>
-              <a:t> – rejects the derived promise with the reason. This is equivalent to resolving it with a rejection constructed via </a:t>
-            </a:r>
-            <a:r>
-              <a:rPr lang="en-US" b="1" dirty="0">
-                <a:latin typeface="Courier New" panose="02070309020205020404" pitchFamily="49" charset="0"/>
-                <a:cs typeface="Courier New" panose="02070309020205020404" pitchFamily="49" charset="0"/>
-              </a:rPr>
-              <a:t>$</a:t>
-            </a:r>
-            <a:r>
-              <a:rPr lang="en-US" b="1" dirty="0" err="1">
-                <a:latin typeface="Courier New" panose="02070309020205020404" pitchFamily="49" charset="0"/>
-                <a:cs typeface="Courier New" panose="02070309020205020404" pitchFamily="49" charset="0"/>
-              </a:rPr>
-              <a:t>q.reject</a:t>
-            </a:r>
-            <a:r>
-              <a:rPr lang="en-US" dirty="0"/>
-              <a:t>.</a:t>
+              <a:t> – rejects the derived promise with the </a:t>
+            </a:r>
+            <a:r>
+              <a:rPr lang="en-US" dirty="0" smtClean="0"/>
+              <a:t>reason.</a:t>
             </a:r>
           </a:p>
           <a:p>
             <a:pPr lvl="1"/>
             <a:r>
-              <a:rPr lang="en-US" b="1" dirty="0">
+              <a:rPr lang="en-US" b="1" dirty="0" smtClean="0">
                 <a:latin typeface="Courier New" panose="02070309020205020404" pitchFamily="49" charset="0"/>
                 <a:cs typeface="Courier New" panose="02070309020205020404" pitchFamily="49" charset="0"/>
               </a:rPr>
               <a:t>notify(value)</a:t>
             </a:r>
             <a:r>
-              <a:rPr lang="en-US" dirty="0"/>
+              <a:rPr lang="en-US" dirty="0" smtClean="0"/>
               <a:t> - provides updates on the status of the promise's execution. This may be called multiple times before the promise is either resolved or rejected.</a:t>
             </a:r>
           </a:p>
@@ -10181,6 +10554,22 @@
           <a:bodyPr/>
           <a:lstStyle/>
           <a:p>
+            <a:r>
+              <a:rPr lang="en-US" cap="none" dirty="0" err="1" smtClean="0"/>
+              <a:t>Exemple</a:t>
+            </a:r>
+            <a:r>
+              <a:rPr lang="en-US" cap="none" dirty="0" smtClean="0"/>
+              <a:t> </a:t>
+            </a:r>
+            <a:r>
+              <a:rPr lang="en-US" cap="none" dirty="0" err="1" smtClean="0"/>
+              <a:t>d’utilisation</a:t>
+            </a:r>
+            <a:r>
+              <a:rPr lang="en-US" cap="none" dirty="0" smtClean="0"/>
+              <a:t> avec $timeout</a:t>
+            </a:r>
             <a:endParaRPr lang="en-US" cap="none" dirty="0"/>
           </a:p>
         </p:txBody>
@@ -10256,30 +10645,18 @@
         </p:nvSpPr>
         <p:spPr>
           <a:xfrm>
-            <a:off x="515938" y="2456329"/>
-            <a:ext cx="2316909" cy="3709520"/>
+            <a:off x="418356" y="1124712"/>
+            <a:ext cx="8088511" cy="4681537"/>
           </a:xfrm>
         </p:spPr>
         <p:txBody>
           <a:bodyPr/>
           <a:lstStyle/>
           <a:p>
-            <a:r>
-              <a:rPr lang="en-US" dirty="0"/>
-              <a:t>Using a promise :</a:t>
-            </a:r>
-          </a:p>
-          <a:p>
             <a:endParaRPr lang="en-US" dirty="0"/>
           </a:p>
           <a:p>
             <a:endParaRPr lang="en-US" dirty="0"/>
-          </a:p>
-          <a:p>
-            <a:r>
-              <a:rPr lang="en-US" dirty="0"/>
-              <a:t>A little better !</a:t>
-            </a:r>
           </a:p>
         </p:txBody>
       </p:sp>
@@ -10359,356 +10736,31 @@
           </p:nvPr>
         </p:nvSpPr>
         <p:spPr>
-          <a:xfrm>
-            <a:off x="544439" y="656624"/>
-            <a:ext cx="2288408" cy="269875"/>
-          </a:xfrm>
-        </p:spPr>
-        <p:txBody>
-          <a:bodyPr/>
-          <a:lstStyle/>
-          <a:p>
-            <a:r>
-              <a:rPr lang="en-US" cap="none" dirty="0"/>
-              <a:t>Available </a:t>
-            </a:r>
-            <a:r>
-              <a:rPr lang="en-US" cap="none" dirty="0" err="1"/>
-              <a:t>mehods</a:t>
-            </a:r>
-            <a:r>
-              <a:rPr lang="en-US" cap="none" dirty="0"/>
-              <a:t> =&gt;</a:t>
-            </a:r>
-          </a:p>
-        </p:txBody>
-      </p:sp>
-      <p:pic>
-        <p:nvPicPr>
-          <p:cNvPr id="7170" name="Picture 2"/>
-          <p:cNvPicPr>
-            <a:picLocks noChangeAspect="1" noChangeArrowheads="1"/>
-          </p:cNvPicPr>
-          <p:nvPr/>
-        </p:nvPicPr>
-        <p:blipFill>
-          <a:blip r:embed="rId2"/>
-          <a:srcRect/>
-          <a:stretch>
-            <a:fillRect/>
-          </a:stretch>
-        </p:blipFill>
-        <p:spPr bwMode="auto">
-          <a:xfrm>
-            <a:off x="3183979" y="2379310"/>
-            <a:ext cx="4211905" cy="1010235"/>
-          </a:xfrm>
-          <a:prstGeom prst="rect">
-            <a:avLst/>
-          </a:prstGeom>
-          <a:noFill/>
-          <a:ln w="9525">
-            <a:solidFill>
-              <a:schemeClr val="accent5"/>
-            </a:solidFill>
-            <a:miter lim="800000"/>
-            <a:headEnd/>
-            <a:tailEnd/>
-          </a:ln>
-          <a:effectLst/>
-        </p:spPr>
-      </p:pic>
-      <p:pic>
-        <p:nvPicPr>
-          <p:cNvPr id="7171" name="Picture 3"/>
-          <p:cNvPicPr>
-            <a:picLocks noChangeAspect="1" noChangeArrowheads="1"/>
-          </p:cNvPicPr>
-          <p:nvPr/>
-        </p:nvPicPr>
-        <p:blipFill>
-          <a:blip r:embed="rId3"/>
-          <a:srcRect/>
-          <a:stretch>
-            <a:fillRect/>
-          </a:stretch>
-        </p:blipFill>
-        <p:spPr bwMode="auto">
-          <a:xfrm>
-            <a:off x="3183979" y="3781069"/>
-            <a:ext cx="3486150" cy="2411472"/>
-          </a:xfrm>
-          <a:prstGeom prst="rect">
-            <a:avLst/>
-          </a:prstGeom>
-          <a:noFill/>
-          <a:ln w="9525">
-            <a:solidFill>
-              <a:srgbClr val="00B050"/>
-            </a:solidFill>
-            <a:miter lim="800000"/>
-            <a:headEnd/>
-            <a:tailEnd/>
-          </a:ln>
-          <a:effectLst/>
-        </p:spPr>
-      </p:pic>
-      <p:pic>
-        <p:nvPicPr>
-          <p:cNvPr id="7" name="Image 6"/>
-          <p:cNvPicPr>
-            <a:picLocks noChangeAspect="1"/>
-          </p:cNvPicPr>
-          <p:nvPr/>
-        </p:nvPicPr>
-        <p:blipFill>
-          <a:blip r:embed="rId4"/>
-          <a:stretch>
-            <a:fillRect/>
-          </a:stretch>
-        </p:blipFill>
-        <p:spPr>
-          <a:xfrm>
-            <a:off x="3183979" y="341339"/>
-            <a:ext cx="5057775" cy="1628775"/>
-          </a:xfrm>
-          <a:prstGeom prst="rect">
-            <a:avLst/>
-          </a:prstGeom>
-          <a:ln>
-            <a:solidFill>
-              <a:schemeClr val="accent1"/>
-            </a:solidFill>
-          </a:ln>
-        </p:spPr>
-      </p:pic>
-      <p:sp>
-        <p:nvSpPr>
-          <p:cNvPr id="8" name="Flèche droite 7"/>
-          <p:cNvSpPr/>
-          <p:nvPr/>
-        </p:nvSpPr>
-        <p:spPr>
-          <a:xfrm>
-            <a:off x="7198659" y="5602941"/>
-            <a:ext cx="1147482" cy="349624"/>
-          </a:xfrm>
-          <a:prstGeom prst="rightArrow">
-            <a:avLst/>
-          </a:prstGeom>
-          <a:solidFill>
-            <a:srgbClr val="CF022B"/>
-          </a:solidFill>
           <a:ln>
             <a:noFill/>
           </a:ln>
         </p:spPr>
-        <p:style>
-          <a:lnRef idx="2">
-            <a:schemeClr val="accent1">
-              <a:shade val="50000"/>
-            </a:schemeClr>
-          </a:lnRef>
-          <a:fillRef idx="1">
-            <a:schemeClr val="accent1"/>
-          </a:fillRef>
-          <a:effectRef idx="0">
-            <a:schemeClr val="accent1"/>
-          </a:effectRef>
-          <a:fontRef idx="minor">
-            <a:schemeClr val="lt1"/>
-          </a:fontRef>
-        </p:style>
-        <p:txBody>
-          <a:bodyPr rtlCol="0" anchor="ctr"/>
-          <a:lstStyle/>
-          <a:p>
-            <a:pPr algn="ctr"/>
-            <a:endParaRPr lang="fr-FR" dirty="0"/>
-          </a:p>
-        </p:txBody>
-      </p:sp>
-      <p:sp>
-        <p:nvSpPr>
-          <p:cNvPr id="9" name="ZoneTexte 8"/>
-          <p:cNvSpPr txBox="1"/>
-          <p:nvPr/>
-        </p:nvSpPr>
-        <p:spPr>
-          <a:xfrm>
-            <a:off x="6849558" y="5235389"/>
-            <a:ext cx="2231701" cy="276999"/>
-          </a:xfrm>
-          <a:prstGeom prst="rect">
-            <a:avLst/>
-          </a:prstGeom>
-          <a:noFill/>
-        </p:spPr>
-        <p:txBody>
-          <a:bodyPr wrap="none" rtlCol="0">
-            <a:spAutoFit/>
-          </a:bodyPr>
-          <a:lstStyle/>
-          <a:p>
-            <a:r>
-              <a:rPr lang="fr-FR" sz="1200" dirty="0" err="1"/>
-              <a:t>see</a:t>
-            </a:r>
-            <a:r>
-              <a:rPr lang="fr-FR" sz="1200" dirty="0"/>
+        <p:txBody>
+          <a:bodyPr/>
+          <a:lstStyle/>
+          <a:p>
+            <a:r>
+              <a:rPr lang="en-US" cap="none" dirty="0" err="1" smtClean="0"/>
+              <a:t>Exemple</a:t>
+            </a:r>
+            <a:r>
+              <a:rPr lang="en-US" cap="none" dirty="0" smtClean="0"/>
               <a:t> </a:t>
             </a:r>
             <a:r>
-              <a:rPr lang="fr-FR" sz="1200" dirty="0" err="1"/>
-              <a:t>next</a:t>
-            </a:r>
-            <a:r>
-              <a:rPr lang="fr-FR" sz="1200" dirty="0"/>
-              <a:t> slide for top of the top !</a:t>
-            </a:r>
-          </a:p>
-        </p:txBody>
-      </p:sp>
-    </p:spTree>
-  </p:cSld>
-  <p:clrMapOvr>
-    <a:masterClrMapping/>
-  </p:clrMapOvr>
-</p:sld>
-</file>
-
-<file path=ppt/slides/slide9.xml><?xml version="1.0" encoding="utf-8"?>
-<p:sld xmlns:a="http://schemas.openxmlformats.org/drawingml/2006/main" xmlns:r="http://schemas.openxmlformats.org/officeDocument/2006/relationships" xmlns:p="http://schemas.openxmlformats.org/presentationml/2006/main">
-  <p:cSld>
-    <p:spTree>
-      <p:nvGrpSpPr>
-        <p:cNvPr id="1" name=""/>
-        <p:cNvGrpSpPr/>
-        <p:nvPr/>
-      </p:nvGrpSpPr>
-      <p:grpSpPr>
-        <a:xfrm>
-          <a:off x="0" y="0"/>
-          <a:ext cx="0" cy="0"/>
-          <a:chOff x="0" y="0"/>
-          <a:chExt cx="0" cy="0"/>
-        </a:xfrm>
-      </p:grpSpPr>
-      <p:sp>
-        <p:nvSpPr>
-          <p:cNvPr id="2" name="Espace réservé du contenu 1"/>
-          <p:cNvSpPr>
-            <a:spLocks noGrp="1"/>
-          </p:cNvSpPr>
-          <p:nvPr>
-            <p:ph idx="1"/>
-          </p:nvPr>
-        </p:nvSpPr>
-        <p:spPr>
-          <a:xfrm>
-            <a:off x="418356" y="1124712"/>
-            <a:ext cx="8088511" cy="4681537"/>
-          </a:xfrm>
-        </p:spPr>
-        <p:txBody>
-          <a:bodyPr/>
-          <a:lstStyle/>
-          <a:p>
-            <a:endParaRPr lang="en-US" dirty="0"/>
-          </a:p>
-          <a:p>
-            <a:endParaRPr lang="en-US" dirty="0"/>
-          </a:p>
-        </p:txBody>
-      </p:sp>
-      <p:sp>
-        <p:nvSpPr>
-          <p:cNvPr id="3" name="Titre 2"/>
-          <p:cNvSpPr>
-            <a:spLocks noGrp="1"/>
-          </p:cNvSpPr>
-          <p:nvPr>
-            <p:ph type="title"/>
-          </p:nvPr>
-        </p:nvSpPr>
-        <p:spPr/>
-        <p:txBody>
-          <a:bodyPr/>
-          <a:lstStyle/>
-          <a:p>
-            <a:r>
-              <a:rPr lang="fr-FR" dirty="0"/>
-              <a:t>Promises</a:t>
-            </a:r>
-          </a:p>
-        </p:txBody>
-      </p:sp>
-      <p:sp>
-        <p:nvSpPr>
-          <p:cNvPr id="4" name="Espace réservé du pied de page 3"/>
-          <p:cNvSpPr>
-            <a:spLocks noGrp="1"/>
-          </p:cNvSpPr>
-          <p:nvPr>
-            <p:ph type="ftr" sz="quarter" idx="11"/>
-          </p:nvPr>
-        </p:nvSpPr>
-        <p:spPr/>
-        <p:txBody>
-          <a:bodyPr/>
-          <a:lstStyle/>
-          <a:p>
-            <a:endParaRPr lang="fr-FR" dirty="0"/>
-          </a:p>
-        </p:txBody>
-      </p:sp>
-      <p:sp>
-        <p:nvSpPr>
-          <p:cNvPr id="5" name="Espace réservé du numéro de diapositive 4"/>
-          <p:cNvSpPr>
-            <a:spLocks noGrp="1"/>
-          </p:cNvSpPr>
-          <p:nvPr>
-            <p:ph type="sldNum" sz="quarter" idx="12"/>
-          </p:nvPr>
-        </p:nvSpPr>
-        <p:spPr/>
-        <p:txBody>
-          <a:bodyPr/>
-          <a:lstStyle/>
-          <a:p>
-            <a:fld id="{AF43E6FD-AB27-4108-A2FC-346BB5F75E3F}" type="slidenum">
-              <a:rPr lang="fr-FR" smtClean="0"/>
-              <a:pPr/>
-              <a:t>9</a:t>
-            </a:fld>
-            <a:endParaRPr lang="fr-FR" dirty="0"/>
-          </a:p>
-        </p:txBody>
-      </p:sp>
-      <p:sp>
-        <p:nvSpPr>
-          <p:cNvPr id="6" name="Espace réservé du texte 5"/>
-          <p:cNvSpPr>
-            <a:spLocks noGrp="1"/>
-          </p:cNvSpPr>
-          <p:nvPr>
-            <p:ph type="body" sz="quarter" idx="13"/>
-          </p:nvPr>
-        </p:nvSpPr>
-        <p:spPr>
-          <a:ln>
-            <a:noFill/>
-          </a:ln>
-        </p:spPr>
-        <p:txBody>
-          <a:bodyPr/>
-          <a:lstStyle/>
-          <a:p>
-            <a:r>
-              <a:rPr lang="en-US" cap="none" dirty="0"/>
-              <a:t>SOLUTION for catching ALL error(s) even those happening inside the callbacks</a:t>
-            </a:r>
+              <a:rPr lang="en-US" cap="none" dirty="0" err="1" smtClean="0"/>
+              <a:t>complet</a:t>
+            </a:r>
+            <a:r>
+              <a:rPr lang="en-US" cap="none" dirty="0" smtClean="0"/>
+              <a:t> de handlers (then, catch &amp; finally)</a:t>
+            </a:r>
+            <a:endParaRPr lang="en-US" cap="none" dirty="0"/>
           </a:p>
         </p:txBody>
       </p:sp>
@@ -10741,39 +10793,352 @@
           </a:ln>
         </p:spPr>
       </p:pic>
-      <p:pic>
-        <p:nvPicPr>
-          <p:cNvPr id="8" name="Image 7"/>
-          <p:cNvPicPr>
-            <a:picLocks noChangeAspect="1"/>
-          </p:cNvPicPr>
-          <p:nvPr/>
-        </p:nvPicPr>
-        <p:blipFill>
-          <a:blip r:embed="rId3"/>
-          <a:stretch>
-            <a:fillRect/>
-          </a:stretch>
-        </p:blipFill>
-        <p:spPr>
-          <a:xfrm>
-            <a:off x="6619594" y="1235971"/>
-            <a:ext cx="1143841" cy="1079317"/>
-          </a:xfrm>
-          <a:prstGeom prst="rect">
-            <a:avLst/>
-          </a:prstGeom>
-          <a:ln>
-            <a:solidFill>
-              <a:schemeClr val="tx2"/>
-            </a:solidFill>
-          </a:ln>
-        </p:spPr>
-      </p:pic>
     </p:spTree>
     <p:extLst>
       <p:ext uri="{BB962C8B-B14F-4D97-AF65-F5344CB8AC3E}">
         <p14:creationId xmlns:p14="http://schemas.microsoft.com/office/powerpoint/2010/main" val="4008562415"/>
+      </p:ext>
+    </p:extLst>
+  </p:cSld>
+  <p:clrMapOvr>
+    <a:masterClrMapping/>
+  </p:clrMapOvr>
+</p:sld>
+</file>
+
+<file path=ppt/slides/slide9.xml><?xml version="1.0" encoding="utf-8"?>
+<p:sld xmlns:a="http://schemas.openxmlformats.org/drawingml/2006/main" xmlns:r="http://schemas.openxmlformats.org/officeDocument/2006/relationships" xmlns:p="http://schemas.openxmlformats.org/presentationml/2006/main">
+  <p:cSld>
+    <p:spTree>
+      <p:nvGrpSpPr>
+        <p:cNvPr id="1" name=""/>
+        <p:cNvGrpSpPr/>
+        <p:nvPr/>
+      </p:nvGrpSpPr>
+      <p:grpSpPr>
+        <a:xfrm>
+          <a:off x="0" y="0"/>
+          <a:ext cx="0" cy="0"/>
+          <a:chOff x="0" y="0"/>
+          <a:chExt cx="0" cy="0"/>
+        </a:xfrm>
+      </p:grpSpPr>
+      <p:sp>
+        <p:nvSpPr>
+          <p:cNvPr id="2" name="Espace réservé du contenu 1"/>
+          <p:cNvSpPr>
+            <a:spLocks noGrp="1"/>
+          </p:cNvSpPr>
+          <p:nvPr>
+            <p:ph idx="1"/>
+          </p:nvPr>
+        </p:nvSpPr>
+        <p:spPr>
+          <a:xfrm>
+            <a:off x="418356" y="1124712"/>
+            <a:ext cx="8088511" cy="4681537"/>
+          </a:xfrm>
+        </p:spPr>
+        <p:txBody>
+          <a:bodyPr/>
+          <a:lstStyle/>
+          <a:p>
+            <a:pPr marL="0" indent="0">
+              <a:buNone/>
+            </a:pPr>
+            <a:r>
+              <a:rPr lang="fr-FR" dirty="0" smtClean="0"/>
+              <a:t>Le </a:t>
+            </a:r>
+            <a:r>
+              <a:rPr lang="fr-FR" dirty="0"/>
+              <a:t>but du TP est de manipuler les promesses pour simuler un appel asynchrone vers un </a:t>
+            </a:r>
+            <a:r>
+              <a:rPr lang="fr-FR" dirty="0" err="1"/>
+              <a:t>backend</a:t>
+            </a:r>
+            <a:endParaRPr lang="fr-FR" sz="1400" dirty="0"/>
+          </a:p>
+          <a:p>
+            <a:pPr marL="0" indent="0">
+              <a:buNone/>
+            </a:pPr>
+            <a:r>
+              <a:rPr lang="fr-FR" b="1" dirty="0"/>
+              <a:t>Instructions</a:t>
+            </a:r>
+            <a:endParaRPr lang="fr-FR" sz="1050" dirty="0"/>
+          </a:p>
+          <a:p>
+            <a:pPr lvl="0"/>
+            <a:r>
+              <a:rPr lang="fr-FR" dirty="0"/>
+              <a:t>Utiliser le service </a:t>
+            </a:r>
+            <a:r>
+              <a:rPr lang="fr-FR" dirty="0" err="1"/>
+              <a:t>angular</a:t>
+            </a:r>
+            <a:r>
+              <a:rPr lang="fr-FR" dirty="0"/>
+              <a:t> </a:t>
+            </a:r>
+            <a:r>
+              <a:rPr lang="fr-FR" sz="1800" dirty="0"/>
+              <a:t>$q</a:t>
+            </a:r>
+            <a:r>
+              <a:rPr lang="fr-FR" dirty="0"/>
+              <a:t> pour créer un objet </a:t>
+            </a:r>
+            <a:r>
+              <a:rPr lang="fr-FR" sz="1800" dirty="0" err="1"/>
+              <a:t>Defered</a:t>
+            </a:r>
+            <a:endParaRPr lang="fr-FR" sz="1400" dirty="0"/>
+          </a:p>
+          <a:p>
+            <a:pPr lvl="0"/>
+            <a:r>
+              <a:rPr lang="fr-FR" dirty="0"/>
+              <a:t>Utiliser l'objet </a:t>
+            </a:r>
+            <a:r>
+              <a:rPr lang="fr-FR" sz="1800" dirty="0" err="1"/>
+              <a:t>Defered</a:t>
+            </a:r>
+            <a:r>
+              <a:rPr lang="fr-FR" dirty="0"/>
+              <a:t> pour récupérer un objet </a:t>
+            </a:r>
+            <a:r>
+              <a:rPr lang="fr-FR" sz="1800" dirty="0"/>
+              <a:t>Promise</a:t>
+            </a:r>
+            <a:endParaRPr lang="fr-FR" sz="1400" dirty="0"/>
+          </a:p>
+          <a:p>
+            <a:pPr lvl="0"/>
+            <a:r>
+              <a:rPr lang="fr-FR" dirty="0"/>
+              <a:t>Ajouter des </a:t>
+            </a:r>
+            <a:r>
+              <a:rPr lang="fr-FR" dirty="0" err="1"/>
+              <a:t>handler</a:t>
+            </a:r>
+            <a:r>
+              <a:rPr lang="fr-FR" dirty="0"/>
+              <a:t> sur l'objet </a:t>
+            </a:r>
+            <a:r>
+              <a:rPr lang="fr-FR" sz="1800" dirty="0"/>
+              <a:t>Promise</a:t>
+            </a:r>
+            <a:r>
+              <a:rPr lang="fr-FR" dirty="0"/>
+              <a:t> :</a:t>
+            </a:r>
+            <a:endParaRPr lang="fr-FR" sz="1400" dirty="0"/>
+          </a:p>
+          <a:p>
+            <a:pPr lvl="1"/>
+            <a:r>
+              <a:rPr lang="fr-FR" dirty="0"/>
+              <a:t>Handler de de </a:t>
+            </a:r>
+            <a:r>
+              <a:rPr lang="fr-FR" dirty="0" err="1"/>
+              <a:t>succes</a:t>
+            </a:r>
+            <a:r>
+              <a:rPr lang="fr-FR" dirty="0"/>
+              <a:t> (</a:t>
+            </a:r>
+            <a:r>
+              <a:rPr lang="fr-FR" sz="1600" dirty="0" err="1"/>
+              <a:t>then</a:t>
+            </a:r>
+            <a:r>
+              <a:rPr lang="fr-FR" dirty="0"/>
+              <a:t>) : renseigner la liste des taches</a:t>
+            </a:r>
+            <a:endParaRPr lang="fr-FR" sz="1200" dirty="0"/>
+          </a:p>
+          <a:p>
+            <a:pPr lvl="1"/>
+            <a:r>
+              <a:rPr lang="fr-FR" dirty="0"/>
+              <a:t>Handler d'erreur (</a:t>
+            </a:r>
+            <a:r>
+              <a:rPr lang="fr-FR" sz="1600" dirty="0"/>
+              <a:t>catch</a:t>
+            </a:r>
+            <a:r>
+              <a:rPr lang="fr-FR" dirty="0"/>
+              <a:t>) : afficher un message de votre choix (</a:t>
+            </a:r>
+            <a:r>
+              <a:rPr lang="fr-FR" sz="1600" dirty="0"/>
+              <a:t>console</a:t>
+            </a:r>
+            <a:r>
+              <a:rPr lang="fr-FR" dirty="0"/>
+              <a:t>, </a:t>
+            </a:r>
+            <a:r>
+              <a:rPr lang="fr-FR" sz="1600" dirty="0" err="1"/>
+              <a:t>alert</a:t>
+            </a:r>
+            <a:r>
+              <a:rPr lang="fr-FR" dirty="0"/>
+              <a:t>, afficher un div sur la page, ...)</a:t>
+            </a:r>
+            <a:endParaRPr lang="fr-FR" sz="1200" dirty="0"/>
+          </a:p>
+          <a:p>
+            <a:pPr lvl="0"/>
+            <a:r>
+              <a:rPr lang="fr-FR" dirty="0"/>
+              <a:t>Utiliser le service </a:t>
+            </a:r>
+            <a:r>
+              <a:rPr lang="fr-FR" dirty="0" err="1"/>
+              <a:t>angular</a:t>
+            </a:r>
+            <a:r>
+              <a:rPr lang="fr-FR" dirty="0"/>
+              <a:t> </a:t>
+            </a:r>
+            <a:r>
+              <a:rPr lang="fr-FR" sz="1800" dirty="0"/>
+              <a:t>$timeout</a:t>
+            </a:r>
+            <a:r>
+              <a:rPr lang="fr-FR" dirty="0"/>
+              <a:t> pour simuler une latence (un appel asynchrone par exemple) et </a:t>
+            </a:r>
+            <a:r>
+              <a:rPr lang="fr-FR" dirty="0" err="1"/>
+              <a:t>résouvre</a:t>
+            </a:r>
+            <a:r>
+              <a:rPr lang="fr-FR" dirty="0"/>
+              <a:t> l'objet </a:t>
+            </a:r>
+            <a:r>
+              <a:rPr lang="fr-FR" sz="1800" dirty="0" err="1"/>
+              <a:t>Deferred</a:t>
+            </a:r>
+            <a:r>
+              <a:rPr lang="fr-FR" dirty="0"/>
+              <a:t> en succès ou en erreur</a:t>
+            </a:r>
+            <a:endParaRPr lang="fr-FR" sz="1400" dirty="0"/>
+          </a:p>
+          <a:p>
+            <a:endParaRPr lang="fr-FR" dirty="0"/>
+          </a:p>
+        </p:txBody>
+      </p:sp>
+      <p:sp>
+        <p:nvSpPr>
+          <p:cNvPr id="3" name="Titre 2"/>
+          <p:cNvSpPr>
+            <a:spLocks noGrp="1"/>
+          </p:cNvSpPr>
+          <p:nvPr>
+            <p:ph type="title"/>
+          </p:nvPr>
+        </p:nvSpPr>
+        <p:spPr/>
+        <p:txBody>
+          <a:bodyPr/>
+          <a:lstStyle/>
+          <a:p>
+            <a:r>
+              <a:rPr lang="fr-FR" dirty="0"/>
+              <a:t>Promises</a:t>
+            </a:r>
+          </a:p>
+        </p:txBody>
+      </p:sp>
+      <p:sp>
+        <p:nvSpPr>
+          <p:cNvPr id="4" name="Espace réservé du pied de page 3"/>
+          <p:cNvSpPr>
+            <a:spLocks noGrp="1"/>
+          </p:cNvSpPr>
+          <p:nvPr>
+            <p:ph type="ftr" sz="quarter" idx="11"/>
+          </p:nvPr>
+        </p:nvSpPr>
+        <p:spPr/>
+        <p:txBody>
+          <a:bodyPr/>
+          <a:lstStyle/>
+          <a:p>
+            <a:endParaRPr lang="fr-FR" dirty="0"/>
+          </a:p>
+        </p:txBody>
+      </p:sp>
+      <p:sp>
+        <p:nvSpPr>
+          <p:cNvPr id="5" name="Espace réservé du numéro de diapositive 4"/>
+          <p:cNvSpPr>
+            <a:spLocks noGrp="1"/>
+          </p:cNvSpPr>
+          <p:nvPr>
+            <p:ph type="sldNum" sz="quarter" idx="12"/>
+          </p:nvPr>
+        </p:nvSpPr>
+        <p:spPr/>
+        <p:txBody>
+          <a:bodyPr/>
+          <a:lstStyle/>
+          <a:p>
+            <a:fld id="{AF43E6FD-AB27-4108-A2FC-346BB5F75E3F}" type="slidenum">
+              <a:rPr lang="fr-FR" smtClean="0"/>
+              <a:pPr/>
+              <a:t>9</a:t>
+            </a:fld>
+            <a:endParaRPr lang="fr-FR" dirty="0"/>
+          </a:p>
+        </p:txBody>
+      </p:sp>
+      <p:sp>
+        <p:nvSpPr>
+          <p:cNvPr id="6" name="Espace réservé du texte 5"/>
+          <p:cNvSpPr>
+            <a:spLocks noGrp="1"/>
+          </p:cNvSpPr>
+          <p:nvPr>
+            <p:ph type="body" sz="quarter" idx="13"/>
+          </p:nvPr>
+        </p:nvSpPr>
+        <p:spPr>
+          <a:ln>
+            <a:noFill/>
+          </a:ln>
+        </p:spPr>
+        <p:txBody>
+          <a:bodyPr/>
+          <a:lstStyle/>
+          <a:p>
+            <a:r>
+              <a:rPr lang="en-US" cap="none" dirty="0" smtClean="0"/>
+              <a:t>TP</a:t>
+            </a:r>
+            <a:endParaRPr lang="en-US" cap="none" dirty="0"/>
+          </a:p>
+        </p:txBody>
+      </p:sp>
+    </p:spTree>
+    <p:extLst>
+      <p:ext uri="{BB962C8B-B14F-4D97-AF65-F5344CB8AC3E}">
+        <p14:creationId xmlns:p14="http://schemas.microsoft.com/office/powerpoint/2010/main" val="976851470"/>
       </p:ext>
     </p:extLst>
   </p:cSld>
